--- a/files/The Most Beautiful Equation.pptx
+++ b/files/The Most Beautiful Equation.pptx
@@ -130,6 +130,7 @@
 <file path=ppt/revisionInfo.xml><?xml version="1.0" encoding="utf-8"?>
 <p1510:revInfo xmlns:a="http://schemas.openxmlformats.org/drawingml/2006/main" xmlns:r="http://schemas.openxmlformats.org/officeDocument/2006/relationships" xmlns:p1510="http://schemas.microsoft.com/office/powerpoint/2015/10/main">
   <p1510:revLst>
+    <p1510:client id="{3405F086-13D5-4775-8230-A9EC0EBFC406}" v="284" dt="2025-08-08T12:46:32.642"/>
     <p1510:client id="{7392BABF-B3A0-438C-8BE4-84DFE2CAC38F}" v="607" dt="2025-08-08T10:48:18.969"/>
     <p1510:client id="{B6D0321D-2E12-4D14-86F7-96624B8D5850}" v="442" dt="2025-08-08T12:16:42.569"/>
   </p1510:revLst>
@@ -138,435 +139,6 @@
 
 <file path=ppt/changesInfos/changesInfo1.xml><?xml version="1.0" encoding="utf-8"?>
 <pc:chgInfo xmlns:a="http://schemas.openxmlformats.org/drawingml/2006/main" xmlns:r="http://schemas.openxmlformats.org/officeDocument/2006/relationships" xmlns:ac="http://schemas.microsoft.com/office/drawing/2013/main/command" xmlns:pc="http://schemas.microsoft.com/office/powerpoint/2013/main/command">
-  <pc:docChgLst>
-    <pc:chgData name="Sotirios Damouras" userId="7c1f99a4-7f99-452e-ad75-41cee7f4fa00" providerId="ADAL" clId="{B6D0321D-2E12-4D14-86F7-96624B8D5850}"/>
-    <pc:docChg chg="undo custSel addSld modSld">
-      <pc:chgData name="Sotirios Damouras" userId="7c1f99a4-7f99-452e-ad75-41cee7f4fa00" providerId="ADAL" clId="{B6D0321D-2E12-4D14-86F7-96624B8D5850}" dt="2025-08-08T12:16:42.569" v="1510"/>
-      <pc:docMkLst>
-        <pc:docMk/>
-      </pc:docMkLst>
-      <pc:sldChg chg="addSp modSp new mod">
-        <pc:chgData name="Sotirios Damouras" userId="7c1f99a4-7f99-452e-ad75-41cee7f4fa00" providerId="ADAL" clId="{B6D0321D-2E12-4D14-86F7-96624B8D5850}" dt="2025-08-08T00:35:29.581" v="46" actId="120"/>
-        <pc:sldMkLst>
-          <pc:docMk/>
-          <pc:sldMk cId="2218864007" sldId="256"/>
-        </pc:sldMkLst>
-        <pc:spChg chg="mod">
-          <ac:chgData name="Sotirios Damouras" userId="7c1f99a4-7f99-452e-ad75-41cee7f4fa00" providerId="ADAL" clId="{B6D0321D-2E12-4D14-86F7-96624B8D5850}" dt="2025-08-08T00:34:09.904" v="33" actId="27636"/>
-          <ac:spMkLst>
-            <pc:docMk/>
-            <pc:sldMk cId="2218864007" sldId="256"/>
-            <ac:spMk id="2" creationId="{2DE3486E-31BF-03BC-7C2F-5952D4ECFFEC}"/>
-          </ac:spMkLst>
-        </pc:spChg>
-        <pc:spChg chg="mod">
-          <ac:chgData name="Sotirios Damouras" userId="7c1f99a4-7f99-452e-ad75-41cee7f4fa00" providerId="ADAL" clId="{B6D0321D-2E12-4D14-86F7-96624B8D5850}" dt="2025-08-08T00:35:29.581" v="46" actId="120"/>
-          <ac:spMkLst>
-            <pc:docMk/>
-            <pc:sldMk cId="2218864007" sldId="256"/>
-            <ac:spMk id="3" creationId="{F92D4912-EBCC-073B-764E-E1E6CCCC6A92}"/>
-          </ac:spMkLst>
-        </pc:spChg>
-        <pc:picChg chg="add mod">
-          <ac:chgData name="Sotirios Damouras" userId="7c1f99a4-7f99-452e-ad75-41cee7f4fa00" providerId="ADAL" clId="{B6D0321D-2E12-4D14-86F7-96624B8D5850}" dt="2025-08-08T00:35:24.078" v="45"/>
-          <ac:picMkLst>
-            <pc:docMk/>
-            <pc:sldMk cId="2218864007" sldId="256"/>
-            <ac:picMk id="4" creationId="{5D56D73F-AD80-8045-8B43-8FE71A8F2D41}"/>
-          </ac:picMkLst>
-        </pc:picChg>
-        <pc:picChg chg="add mod">
-          <ac:chgData name="Sotirios Damouras" userId="7c1f99a4-7f99-452e-ad75-41cee7f4fa00" providerId="ADAL" clId="{B6D0321D-2E12-4D14-86F7-96624B8D5850}" dt="2025-08-08T00:35:24.078" v="45"/>
-          <ac:picMkLst>
-            <pc:docMk/>
-            <pc:sldMk cId="2218864007" sldId="256"/>
-            <ac:picMk id="5" creationId="{E9F1F8FC-FE01-AAC4-0037-A65721A81E9B}"/>
-          </ac:picMkLst>
-        </pc:picChg>
-        <pc:picChg chg="add mod">
-          <ac:chgData name="Sotirios Damouras" userId="7c1f99a4-7f99-452e-ad75-41cee7f4fa00" providerId="ADAL" clId="{B6D0321D-2E12-4D14-86F7-96624B8D5850}" dt="2025-08-08T00:35:24.078" v="45"/>
-          <ac:picMkLst>
-            <pc:docMk/>
-            <pc:sldMk cId="2218864007" sldId="256"/>
-            <ac:picMk id="6" creationId="{48698C57-9E7F-28E0-5A83-B1FC26952B22}"/>
-          </ac:picMkLst>
-        </pc:picChg>
-      </pc:sldChg>
-      <pc:sldChg chg="addSp modSp new mod">
-        <pc:chgData name="Sotirios Damouras" userId="7c1f99a4-7f99-452e-ad75-41cee7f4fa00" providerId="ADAL" clId="{B6D0321D-2E12-4D14-86F7-96624B8D5850}" dt="2025-08-08T00:41:49.693" v="190" actId="20577"/>
-        <pc:sldMkLst>
-          <pc:docMk/>
-          <pc:sldMk cId="1055789085" sldId="257"/>
-        </pc:sldMkLst>
-        <pc:spChg chg="mod">
-          <ac:chgData name="Sotirios Damouras" userId="7c1f99a4-7f99-452e-ad75-41cee7f4fa00" providerId="ADAL" clId="{B6D0321D-2E12-4D14-86F7-96624B8D5850}" dt="2025-08-08T00:35:43.370" v="59" actId="20577"/>
-          <ac:spMkLst>
-            <pc:docMk/>
-            <pc:sldMk cId="1055789085" sldId="257"/>
-            <ac:spMk id="2" creationId="{EAB07798-F40F-909B-8B04-B6BD7D0E4295}"/>
-          </ac:spMkLst>
-        </pc:spChg>
-        <pc:spChg chg="mod">
-          <ac:chgData name="Sotirios Damouras" userId="7c1f99a4-7f99-452e-ad75-41cee7f4fa00" providerId="ADAL" clId="{B6D0321D-2E12-4D14-86F7-96624B8D5850}" dt="2025-08-08T00:41:49.693" v="190" actId="20577"/>
-          <ac:spMkLst>
-            <pc:docMk/>
-            <pc:sldMk cId="1055789085" sldId="257"/>
-            <ac:spMk id="3" creationId="{4C582891-0BFF-2F3B-6D2A-480BE89F2C10}"/>
-          </ac:spMkLst>
-        </pc:spChg>
-        <pc:graphicFrameChg chg="add mod">
-          <ac:chgData name="Sotirios Damouras" userId="7c1f99a4-7f99-452e-ad75-41cee7f4fa00" providerId="ADAL" clId="{B6D0321D-2E12-4D14-86F7-96624B8D5850}" dt="2025-08-08T00:41:09.134" v="161"/>
-          <ac:graphicFrameMkLst>
-            <pc:docMk/>
-            <pc:sldMk cId="1055789085" sldId="257"/>
-            <ac:graphicFrameMk id="4" creationId="{BB3AB04F-4FE1-2131-45A1-3690481CC5E7}"/>
-          </ac:graphicFrameMkLst>
-        </pc:graphicFrameChg>
-        <pc:graphicFrameChg chg="add mod">
-          <ac:chgData name="Sotirios Damouras" userId="7c1f99a4-7f99-452e-ad75-41cee7f4fa00" providerId="ADAL" clId="{B6D0321D-2E12-4D14-86F7-96624B8D5850}" dt="2025-08-08T00:41:14.122" v="163"/>
-          <ac:graphicFrameMkLst>
-            <pc:docMk/>
-            <pc:sldMk cId="1055789085" sldId="257"/>
-            <ac:graphicFrameMk id="5" creationId="{00BC5FF4-9A53-1A15-4BA9-4B0D8BA0EA1C}"/>
-          </ac:graphicFrameMkLst>
-        </pc:graphicFrameChg>
-      </pc:sldChg>
-      <pc:sldChg chg="modSp new mod">
-        <pc:chgData name="Sotirios Damouras" userId="7c1f99a4-7f99-452e-ad75-41cee7f4fa00" providerId="ADAL" clId="{B6D0321D-2E12-4D14-86F7-96624B8D5850}" dt="2025-08-08T12:03:57.952" v="1220" actId="20577"/>
-        <pc:sldMkLst>
-          <pc:docMk/>
-          <pc:sldMk cId="2738305226" sldId="258"/>
-        </pc:sldMkLst>
-        <pc:spChg chg="mod">
-          <ac:chgData name="Sotirios Damouras" userId="7c1f99a4-7f99-452e-ad75-41cee7f4fa00" providerId="ADAL" clId="{B6D0321D-2E12-4D14-86F7-96624B8D5850}" dt="2025-08-08T00:42:31.381" v="199" actId="20577"/>
-          <ac:spMkLst>
-            <pc:docMk/>
-            <pc:sldMk cId="2738305226" sldId="258"/>
-            <ac:spMk id="2" creationId="{EC9AD1E8-5A96-A558-7F9B-210879617BD5}"/>
-          </ac:spMkLst>
-        </pc:spChg>
-        <pc:spChg chg="mod">
-          <ac:chgData name="Sotirios Damouras" userId="7c1f99a4-7f99-452e-ad75-41cee7f4fa00" providerId="ADAL" clId="{B6D0321D-2E12-4D14-86F7-96624B8D5850}" dt="2025-08-08T12:03:57.952" v="1220" actId="20577"/>
-          <ac:spMkLst>
-            <pc:docMk/>
-            <pc:sldMk cId="2738305226" sldId="258"/>
-            <ac:spMk id="3" creationId="{BAC3BB93-3AE6-CABF-0ED3-B658A54EBD3E}"/>
-          </ac:spMkLst>
-        </pc:spChg>
-        <pc:picChg chg="mod">
-          <ac:chgData name="Sotirios Damouras" userId="7c1f99a4-7f99-452e-ad75-41cee7f4fa00" providerId="ADAL" clId="{B6D0321D-2E12-4D14-86F7-96624B8D5850}" dt="2025-08-08T00:49:14.016" v="549" actId="1076"/>
-          <ac:picMkLst>
-            <pc:docMk/>
-            <pc:sldMk cId="2738305226" sldId="258"/>
-            <ac:picMk id="5" creationId="{5C0AEBF4-7267-8FDC-A05E-4845E025B7A2}"/>
-          </ac:picMkLst>
-        </pc:picChg>
-      </pc:sldChg>
-      <pc:sldChg chg="modSp mod modAnim">
-        <pc:chgData name="Sotirios Damouras" userId="7c1f99a4-7f99-452e-ad75-41cee7f4fa00" providerId="ADAL" clId="{B6D0321D-2E12-4D14-86F7-96624B8D5850}" dt="2025-08-08T12:04:34.513" v="1254" actId="20577"/>
-        <pc:sldMkLst>
-          <pc:docMk/>
-          <pc:sldMk cId="4046263197" sldId="259"/>
-        </pc:sldMkLst>
-        <pc:spChg chg="mod">
-          <ac:chgData name="Sotirios Damouras" userId="7c1f99a4-7f99-452e-ad75-41cee7f4fa00" providerId="ADAL" clId="{B6D0321D-2E12-4D14-86F7-96624B8D5850}" dt="2025-08-08T12:04:34.513" v="1254" actId="20577"/>
-          <ac:spMkLst>
-            <pc:docMk/>
-            <pc:sldMk cId="4046263197" sldId="259"/>
-            <ac:spMk id="3" creationId="{AA860422-1D5D-5863-78EC-71C875941A2F}"/>
-          </ac:spMkLst>
-        </pc:spChg>
-      </pc:sldChg>
-      <pc:sldChg chg="modSp mod modAnim">
-        <pc:chgData name="Sotirios Damouras" userId="7c1f99a4-7f99-452e-ad75-41cee7f4fa00" providerId="ADAL" clId="{B6D0321D-2E12-4D14-86F7-96624B8D5850}" dt="2025-08-08T12:05:43.083" v="1286" actId="20577"/>
-        <pc:sldMkLst>
-          <pc:docMk/>
-          <pc:sldMk cId="1900785627" sldId="263"/>
-        </pc:sldMkLst>
-        <pc:spChg chg="mod">
-          <ac:chgData name="Sotirios Damouras" userId="7c1f99a4-7f99-452e-ad75-41cee7f4fa00" providerId="ADAL" clId="{B6D0321D-2E12-4D14-86F7-96624B8D5850}" dt="2025-08-08T12:05:35.842" v="1280" actId="20577"/>
-          <ac:spMkLst>
-            <pc:docMk/>
-            <pc:sldMk cId="1900785627" sldId="263"/>
-            <ac:spMk id="3" creationId="{FF0561A9-39CF-4CCB-663E-17AC0016501C}"/>
-          </ac:spMkLst>
-        </pc:spChg>
-        <pc:picChg chg="mod">
-          <ac:chgData name="Sotirios Damouras" userId="7c1f99a4-7f99-452e-ad75-41cee7f4fa00" providerId="ADAL" clId="{B6D0321D-2E12-4D14-86F7-96624B8D5850}" dt="2025-08-08T12:05:19.776" v="1257" actId="1035"/>
-          <ac:picMkLst>
-            <pc:docMk/>
-            <pc:sldMk cId="1900785627" sldId="263"/>
-            <ac:picMk id="9" creationId="{C1B93159-6E15-F46C-78E9-6437F74259D8}"/>
-          </ac:picMkLst>
-        </pc:picChg>
-      </pc:sldChg>
-      <pc:sldChg chg="modSp">
-        <pc:chgData name="Sotirios Damouras" userId="7c1f99a4-7f99-452e-ad75-41cee7f4fa00" providerId="ADAL" clId="{B6D0321D-2E12-4D14-86F7-96624B8D5850}" dt="2025-08-08T12:11:44.664" v="1477" actId="20577"/>
-        <pc:sldMkLst>
-          <pc:docMk/>
-          <pc:sldMk cId="3752996883" sldId="264"/>
-        </pc:sldMkLst>
-        <pc:spChg chg="mod">
-          <ac:chgData name="Sotirios Damouras" userId="7c1f99a4-7f99-452e-ad75-41cee7f4fa00" providerId="ADAL" clId="{B6D0321D-2E12-4D14-86F7-96624B8D5850}" dt="2025-08-08T12:11:44.664" v="1477" actId="20577"/>
-          <ac:spMkLst>
-            <pc:docMk/>
-            <pc:sldMk cId="3752996883" sldId="264"/>
-            <ac:spMk id="3" creationId="{91703F77-3B61-7BF6-43A4-4DD4BD75D934}"/>
-          </ac:spMkLst>
-        </pc:spChg>
-      </pc:sldChg>
-      <pc:sldChg chg="modSp">
-        <pc:chgData name="Sotirios Damouras" userId="7c1f99a4-7f99-452e-ad75-41cee7f4fa00" providerId="ADAL" clId="{B6D0321D-2E12-4D14-86F7-96624B8D5850}" dt="2025-08-08T12:16:21.013" v="1509"/>
-        <pc:sldMkLst>
-          <pc:docMk/>
-          <pc:sldMk cId="633075678" sldId="266"/>
-        </pc:sldMkLst>
-        <pc:picChg chg="mod">
-          <ac:chgData name="Sotirios Damouras" userId="7c1f99a4-7f99-452e-ad75-41cee7f4fa00" providerId="ADAL" clId="{B6D0321D-2E12-4D14-86F7-96624B8D5850}" dt="2025-08-08T12:16:21.013" v="1509"/>
-          <ac:picMkLst>
-            <pc:docMk/>
-            <pc:sldMk cId="633075678" sldId="266"/>
-            <ac:picMk id="7" creationId="{D29ED3A4-D0BA-3489-0F44-38FD4B981D6A}"/>
-          </ac:picMkLst>
-        </pc:picChg>
-      </pc:sldChg>
-      <pc:sldChg chg="addSp modSp mod modAnim">
-        <pc:chgData name="Sotirios Damouras" userId="7c1f99a4-7f99-452e-ad75-41cee7f4fa00" providerId="ADAL" clId="{B6D0321D-2E12-4D14-86F7-96624B8D5850}" dt="2025-08-08T12:16:01.725" v="1508"/>
-        <pc:sldMkLst>
-          <pc:docMk/>
-          <pc:sldMk cId="475932519" sldId="267"/>
-        </pc:sldMkLst>
-        <pc:picChg chg="mod">
-          <ac:chgData name="Sotirios Damouras" userId="7c1f99a4-7f99-452e-ad75-41cee7f4fa00" providerId="ADAL" clId="{B6D0321D-2E12-4D14-86F7-96624B8D5850}" dt="2025-08-08T12:16:01.725" v="1508"/>
-          <ac:picMkLst>
-            <pc:docMk/>
-            <pc:sldMk cId="475932519" sldId="267"/>
-            <ac:picMk id="5" creationId="{14796E7A-BDD9-1A74-951C-C2620A97B276}"/>
-          </ac:picMkLst>
-        </pc:picChg>
-        <pc:picChg chg="add mod">
-          <ac:chgData name="Sotirios Damouras" userId="7c1f99a4-7f99-452e-ad75-41cee7f4fa00" providerId="ADAL" clId="{B6D0321D-2E12-4D14-86F7-96624B8D5850}" dt="2025-08-08T12:15:37.418" v="1507" actId="1076"/>
-          <ac:picMkLst>
-            <pc:docMk/>
-            <pc:sldMk cId="475932519" sldId="267"/>
-            <ac:picMk id="6" creationId="{EEAE2966-EF7E-CE51-090A-A1B8F8084F7B}"/>
-          </ac:picMkLst>
-        </pc:picChg>
-      </pc:sldChg>
-      <pc:sldChg chg="delSp modSp mod">
-        <pc:chgData name="Sotirios Damouras" userId="7c1f99a4-7f99-452e-ad75-41cee7f4fa00" providerId="ADAL" clId="{B6D0321D-2E12-4D14-86F7-96624B8D5850}" dt="2025-08-08T12:12:15.013" v="1495" actId="20577"/>
-        <pc:sldMkLst>
-          <pc:docMk/>
-          <pc:sldMk cId="1253115269" sldId="268"/>
-        </pc:sldMkLst>
-        <pc:spChg chg="mod">
-          <ac:chgData name="Sotirios Damouras" userId="7c1f99a4-7f99-452e-ad75-41cee7f4fa00" providerId="ADAL" clId="{B6D0321D-2E12-4D14-86F7-96624B8D5850}" dt="2025-08-08T12:12:15.013" v="1495" actId="20577"/>
-          <ac:spMkLst>
-            <pc:docMk/>
-            <pc:sldMk cId="1253115269" sldId="268"/>
-            <ac:spMk id="3" creationId="{BFE121E7-E097-55C5-1A1A-51C97E6310D6}"/>
-          </ac:spMkLst>
-        </pc:spChg>
-        <pc:picChg chg="del mod">
-          <ac:chgData name="Sotirios Damouras" userId="7c1f99a4-7f99-452e-ad75-41cee7f4fa00" providerId="ADAL" clId="{B6D0321D-2E12-4D14-86F7-96624B8D5850}" dt="2025-08-08T11:34:49.542" v="632" actId="478"/>
-          <ac:picMkLst>
-            <pc:docMk/>
-            <pc:sldMk cId="1253115269" sldId="268"/>
-            <ac:picMk id="4" creationId="{70BBD3BC-D5FD-963F-51DA-E09C3003097A}"/>
-          </ac:picMkLst>
-        </pc:picChg>
-        <pc:picChg chg="del mod">
-          <ac:chgData name="Sotirios Damouras" userId="7c1f99a4-7f99-452e-ad75-41cee7f4fa00" providerId="ADAL" clId="{B6D0321D-2E12-4D14-86F7-96624B8D5850}" dt="2025-08-08T11:30:16.633" v="597" actId="478"/>
-          <ac:picMkLst>
-            <pc:docMk/>
-            <pc:sldMk cId="1253115269" sldId="268"/>
-            <ac:picMk id="6" creationId="{FEDF2D49-52BA-1286-03C2-55538E2379BA}"/>
-          </ac:picMkLst>
-        </pc:picChg>
-        <pc:picChg chg="del mod ord">
-          <ac:chgData name="Sotirios Damouras" userId="7c1f99a4-7f99-452e-ad75-41cee7f4fa00" providerId="ADAL" clId="{B6D0321D-2E12-4D14-86F7-96624B8D5850}" dt="2025-08-08T11:35:18.801" v="644" actId="478"/>
-          <ac:picMkLst>
-            <pc:docMk/>
-            <pc:sldMk cId="1253115269" sldId="268"/>
-            <ac:picMk id="8" creationId="{CAC15D9C-4520-814A-C897-9E2BBDADA032}"/>
-          </ac:picMkLst>
-        </pc:picChg>
-        <pc:picChg chg="del mod ord">
-          <ac:chgData name="Sotirios Damouras" userId="7c1f99a4-7f99-452e-ad75-41cee7f4fa00" providerId="ADAL" clId="{B6D0321D-2E12-4D14-86F7-96624B8D5850}" dt="2025-08-08T11:38:25.125" v="656" actId="478"/>
-          <ac:picMkLst>
-            <pc:docMk/>
-            <pc:sldMk cId="1253115269" sldId="268"/>
-            <ac:picMk id="10" creationId="{F1A94AF3-E568-EDC8-327D-23774C20FDCC}"/>
-          </ac:picMkLst>
-        </pc:picChg>
-        <pc:picChg chg="del mod ord">
-          <ac:chgData name="Sotirios Damouras" userId="7c1f99a4-7f99-452e-ad75-41cee7f4fa00" providerId="ADAL" clId="{B6D0321D-2E12-4D14-86F7-96624B8D5850}" dt="2025-08-08T11:39:54.298" v="670" actId="478"/>
-          <ac:picMkLst>
-            <pc:docMk/>
-            <pc:sldMk cId="1253115269" sldId="268"/>
-            <ac:picMk id="12" creationId="{E767F631-DB77-2CFF-352F-0D1CE7C8C7A1}"/>
-          </ac:picMkLst>
-        </pc:picChg>
-        <pc:picChg chg="del mod ord">
-          <ac:chgData name="Sotirios Damouras" userId="7c1f99a4-7f99-452e-ad75-41cee7f4fa00" providerId="ADAL" clId="{B6D0321D-2E12-4D14-86F7-96624B8D5850}" dt="2025-08-08T11:40:50.787" v="683" actId="478"/>
-          <ac:picMkLst>
-            <pc:docMk/>
-            <pc:sldMk cId="1253115269" sldId="268"/>
-            <ac:picMk id="14" creationId="{8A51D69B-5516-E55E-5990-930F4B4B15CC}"/>
-          </ac:picMkLst>
-        </pc:picChg>
-        <pc:picChg chg="del mod ord">
-          <ac:chgData name="Sotirios Damouras" userId="7c1f99a4-7f99-452e-ad75-41cee7f4fa00" providerId="ADAL" clId="{B6D0321D-2E12-4D14-86F7-96624B8D5850}" dt="2025-08-08T11:41:34.147" v="695" actId="478"/>
-          <ac:picMkLst>
-            <pc:docMk/>
-            <pc:sldMk cId="1253115269" sldId="268"/>
-            <ac:picMk id="16" creationId="{0CAF3812-ED7B-942B-3310-C263D4C52EFA}"/>
-          </ac:picMkLst>
-        </pc:picChg>
-        <pc:picChg chg="del mod ord">
-          <ac:chgData name="Sotirios Damouras" userId="7c1f99a4-7f99-452e-ad75-41cee7f4fa00" providerId="ADAL" clId="{B6D0321D-2E12-4D14-86F7-96624B8D5850}" dt="2025-08-08T11:42:09.535" v="707" actId="478"/>
-          <ac:picMkLst>
-            <pc:docMk/>
-            <pc:sldMk cId="1253115269" sldId="268"/>
-            <ac:picMk id="18" creationId="{2D68A552-8F5A-6730-0142-8FE0EBB5C0D3}"/>
-          </ac:picMkLst>
-        </pc:picChg>
-        <pc:picChg chg="del mod ord">
-          <ac:chgData name="Sotirios Damouras" userId="7c1f99a4-7f99-452e-ad75-41cee7f4fa00" providerId="ADAL" clId="{B6D0321D-2E12-4D14-86F7-96624B8D5850}" dt="2025-08-08T11:42:16.778" v="719" actId="478"/>
-          <ac:picMkLst>
-            <pc:docMk/>
-            <pc:sldMk cId="1253115269" sldId="268"/>
-            <ac:picMk id="20" creationId="{FDAAD179-99D6-6B9F-740A-91E2C288C80A}"/>
-          </ac:picMkLst>
-        </pc:picChg>
-        <pc:picChg chg="del mod ord">
-          <ac:chgData name="Sotirios Damouras" userId="7c1f99a4-7f99-452e-ad75-41cee7f4fa00" providerId="ADAL" clId="{B6D0321D-2E12-4D14-86F7-96624B8D5850}" dt="2025-08-08T11:42:31.757" v="731" actId="478"/>
-          <ac:picMkLst>
-            <pc:docMk/>
-            <pc:sldMk cId="1253115269" sldId="268"/>
-            <ac:picMk id="22" creationId="{A40B1C62-86C4-207D-825C-4DD50C335BAD}"/>
-          </ac:picMkLst>
-        </pc:picChg>
-        <pc:picChg chg="mod ord">
-          <ac:chgData name="Sotirios Damouras" userId="7c1f99a4-7f99-452e-ad75-41cee7f4fa00" providerId="ADAL" clId="{B6D0321D-2E12-4D14-86F7-96624B8D5850}" dt="2025-08-08T12:12:09.742" v="1479" actId="1076"/>
-          <ac:picMkLst>
-            <pc:docMk/>
-            <pc:sldMk cId="1253115269" sldId="268"/>
-            <ac:picMk id="24" creationId="{D2F1FD8A-7F47-9FB2-21A4-2F374A338398}"/>
-          </ac:picMkLst>
-        </pc:picChg>
-      </pc:sldChg>
-      <pc:sldChg chg="modSp new mod">
-        <pc:chgData name="Sotirios Damouras" userId="7c1f99a4-7f99-452e-ad75-41cee7f4fa00" providerId="ADAL" clId="{B6D0321D-2E12-4D14-86F7-96624B8D5850}" dt="2025-08-08T12:10:52.270" v="1441" actId="20577"/>
-        <pc:sldMkLst>
-          <pc:docMk/>
-          <pc:sldMk cId="4180034831" sldId="269"/>
-        </pc:sldMkLst>
-        <pc:spChg chg="mod">
-          <ac:chgData name="Sotirios Damouras" userId="7c1f99a4-7f99-452e-ad75-41cee7f4fa00" providerId="ADAL" clId="{B6D0321D-2E12-4D14-86F7-96624B8D5850}" dt="2025-08-08T11:43:11.876" v="749" actId="20577"/>
-          <ac:spMkLst>
-            <pc:docMk/>
-            <pc:sldMk cId="4180034831" sldId="269"/>
-            <ac:spMk id="2" creationId="{C8AA2638-4A06-1907-7296-FFF745279A3B}"/>
-          </ac:spMkLst>
-        </pc:spChg>
-        <pc:spChg chg="mod">
-          <ac:chgData name="Sotirios Damouras" userId="7c1f99a4-7f99-452e-ad75-41cee7f4fa00" providerId="ADAL" clId="{B6D0321D-2E12-4D14-86F7-96624B8D5850}" dt="2025-08-08T12:10:52.270" v="1441" actId="20577"/>
-          <ac:spMkLst>
-            <pc:docMk/>
-            <pc:sldMk cId="4180034831" sldId="269"/>
-            <ac:spMk id="3" creationId="{8BB397EB-30A4-B7D3-B899-B86A6191DA53}"/>
-          </ac:spMkLst>
-        </pc:spChg>
-      </pc:sldChg>
-      <pc:sldChg chg="addSp delSp modSp new mod modClrScheme chgLayout">
-        <pc:chgData name="Sotirios Damouras" userId="7c1f99a4-7f99-452e-ad75-41cee7f4fa00" providerId="ADAL" clId="{B6D0321D-2E12-4D14-86F7-96624B8D5850}" dt="2025-08-08T12:16:42.569" v="1510"/>
-        <pc:sldMkLst>
-          <pc:docMk/>
-          <pc:sldMk cId="3624215465" sldId="270"/>
-        </pc:sldMkLst>
-        <pc:spChg chg="mod ord">
-          <ac:chgData name="Sotirios Damouras" userId="7c1f99a4-7f99-452e-ad75-41cee7f4fa00" providerId="ADAL" clId="{B6D0321D-2E12-4D14-86F7-96624B8D5850}" dt="2025-08-08T12:06:49.788" v="1327" actId="700"/>
-          <ac:spMkLst>
-            <pc:docMk/>
-            <pc:sldMk cId="3624215465" sldId="270"/>
-            <ac:spMk id="2" creationId="{30D34A93-F6C8-81C1-85CB-27FCFCA63ED8}"/>
-          </ac:spMkLst>
-        </pc:spChg>
-        <pc:spChg chg="mod ord">
-          <ac:chgData name="Sotirios Damouras" userId="7c1f99a4-7f99-452e-ad75-41cee7f4fa00" providerId="ADAL" clId="{B6D0321D-2E12-4D14-86F7-96624B8D5850}" dt="2025-08-08T12:10:23.135" v="1425" actId="20577"/>
-          <ac:spMkLst>
-            <pc:docMk/>
-            <pc:sldMk cId="3624215465" sldId="270"/>
-            <ac:spMk id="3" creationId="{94399142-9189-9810-4050-C09367BFE2BC}"/>
-          </ac:spMkLst>
-        </pc:spChg>
-        <pc:spChg chg="add del mod ord">
-          <ac:chgData name="Sotirios Damouras" userId="7c1f99a4-7f99-452e-ad75-41cee7f4fa00" providerId="ADAL" clId="{B6D0321D-2E12-4D14-86F7-96624B8D5850}" dt="2025-08-08T12:09:34.755" v="1412" actId="22"/>
-          <ac:spMkLst>
-            <pc:docMk/>
-            <pc:sldMk cId="3624215465" sldId="270"/>
-            <ac:spMk id="4" creationId="{67C23F41-0499-7AD9-17AC-98181F693B55}"/>
-          </ac:spMkLst>
-        </pc:spChg>
-        <pc:spChg chg="add mod">
-          <ac:chgData name="Sotirios Damouras" userId="7c1f99a4-7f99-452e-ad75-41cee7f4fa00" providerId="ADAL" clId="{B6D0321D-2E12-4D14-86F7-96624B8D5850}" dt="2025-08-08T12:08:15.812" v="1403" actId="767"/>
-          <ac:spMkLst>
-            <pc:docMk/>
-            <pc:sldMk cId="3624215465" sldId="270"/>
-            <ac:spMk id="5" creationId="{08475273-4720-EF12-1BE0-467D85B74538}"/>
-          </ac:spMkLst>
-        </pc:spChg>
-        <pc:spChg chg="add mod">
-          <ac:chgData name="Sotirios Damouras" userId="7c1f99a4-7f99-452e-ad75-41cee7f4fa00" providerId="ADAL" clId="{B6D0321D-2E12-4D14-86F7-96624B8D5850}" dt="2025-08-08T12:09:47.548" v="1418" actId="1076"/>
-          <ac:spMkLst>
-            <pc:docMk/>
-            <pc:sldMk cId="3624215465" sldId="270"/>
-            <ac:spMk id="6" creationId="{4A179256-8A6B-8199-FC06-67CC85AB4310}"/>
-          </ac:spMkLst>
-        </pc:spChg>
-        <pc:picChg chg="add mod ord">
-          <ac:chgData name="Sotirios Damouras" userId="7c1f99a4-7f99-452e-ad75-41cee7f4fa00" providerId="ADAL" clId="{B6D0321D-2E12-4D14-86F7-96624B8D5850}" dt="2025-08-08T12:16:42.569" v="1510"/>
-          <ac:picMkLst>
-            <pc:docMk/>
-            <pc:sldMk cId="3624215465" sldId="270"/>
-            <ac:picMk id="8" creationId="{7B369F8A-CF9D-D067-0774-1CF9DF6FFFD0}"/>
-          </ac:picMkLst>
-        </pc:picChg>
-      </pc:sldChg>
-      <pc:sldChg chg="addSp modSp new mod modAnim">
-        <pc:chgData name="Sotirios Damouras" userId="7c1f99a4-7f99-452e-ad75-41cee7f4fa00" providerId="ADAL" clId="{B6D0321D-2E12-4D14-86F7-96624B8D5850}" dt="2025-08-08T12:00:38.840" v="1085"/>
-        <pc:sldMkLst>
-          <pc:docMk/>
-          <pc:sldMk cId="1260412405" sldId="271"/>
-        </pc:sldMkLst>
-        <pc:spChg chg="mod">
-          <ac:chgData name="Sotirios Damouras" userId="7c1f99a4-7f99-452e-ad75-41cee7f4fa00" providerId="ADAL" clId="{B6D0321D-2E12-4D14-86F7-96624B8D5850}" dt="2025-08-08T11:50:42.685" v="800" actId="20577"/>
-          <ac:spMkLst>
-            <pc:docMk/>
-            <pc:sldMk cId="1260412405" sldId="271"/>
-            <ac:spMk id="2" creationId="{4349F61E-B8F2-5926-BB9C-7FF24C76EB97}"/>
-          </ac:spMkLst>
-        </pc:spChg>
-        <pc:spChg chg="mod">
-          <ac:chgData name="Sotirios Damouras" userId="7c1f99a4-7f99-452e-ad75-41cee7f4fa00" providerId="ADAL" clId="{B6D0321D-2E12-4D14-86F7-96624B8D5850}" dt="2025-08-08T12:00:19.913" v="1082" actId="6549"/>
-          <ac:spMkLst>
-            <pc:docMk/>
-            <pc:sldMk cId="1260412405" sldId="271"/>
-            <ac:spMk id="3" creationId="{0CE13D8E-9EE6-352E-852B-FC0ACCBF1628}"/>
-          </ac:spMkLst>
-        </pc:spChg>
-        <pc:picChg chg="add mod">
-          <ac:chgData name="Sotirios Damouras" userId="7c1f99a4-7f99-452e-ad75-41cee7f4fa00" providerId="ADAL" clId="{B6D0321D-2E12-4D14-86F7-96624B8D5850}" dt="2025-08-08T12:00:26.183" v="1083" actId="1076"/>
-          <ac:picMkLst>
-            <pc:docMk/>
-            <pc:sldMk cId="1260412405" sldId="271"/>
-            <ac:picMk id="4" creationId="{8D6BBE91-FFF6-A199-3E48-233751F389BF}"/>
-          </ac:picMkLst>
-        </pc:picChg>
-      </pc:sldChg>
-    </pc:docChg>
-  </pc:docChgLst>
   <pc:docChgLst>
     <pc:chgData name="Sotirios Damouras" userId="7c1f99a4-7f99-452e-ad75-41cee7f4fa00" providerId="ADAL" clId="{7392BABF-B3A0-438C-8BE4-84DFE2CAC38F}"/>
     <pc:docChg chg="undo custSel addSld delSld modSld sldOrd">
@@ -1245,6 +817,475 @@
             <pc:docMk/>
             <pc:sldMk cId="1253115269" sldId="268"/>
             <ac:picMk id="4" creationId="{70BBD3BC-D5FD-963F-51DA-E09C3003097A}"/>
+          </ac:picMkLst>
+        </pc:picChg>
+      </pc:sldChg>
+    </pc:docChg>
+  </pc:docChgLst>
+  <pc:docChgLst>
+    <pc:chgData name="Sotirios Damouras" userId="7c1f99a4-7f99-452e-ad75-41cee7f4fa00" providerId="ADAL" clId="{B6D0321D-2E12-4D14-86F7-96624B8D5850}"/>
+    <pc:docChg chg="undo custSel addSld modSld">
+      <pc:chgData name="Sotirios Damouras" userId="7c1f99a4-7f99-452e-ad75-41cee7f4fa00" providerId="ADAL" clId="{B6D0321D-2E12-4D14-86F7-96624B8D5850}" dt="2025-08-08T12:16:42.569" v="1510"/>
+      <pc:docMkLst>
+        <pc:docMk/>
+      </pc:docMkLst>
+      <pc:sldChg chg="addSp modSp new mod">
+        <pc:chgData name="Sotirios Damouras" userId="7c1f99a4-7f99-452e-ad75-41cee7f4fa00" providerId="ADAL" clId="{B6D0321D-2E12-4D14-86F7-96624B8D5850}" dt="2025-08-08T00:35:29.581" v="46" actId="120"/>
+        <pc:sldMkLst>
+          <pc:docMk/>
+          <pc:sldMk cId="2218864007" sldId="256"/>
+        </pc:sldMkLst>
+        <pc:spChg chg="mod">
+          <ac:chgData name="Sotirios Damouras" userId="7c1f99a4-7f99-452e-ad75-41cee7f4fa00" providerId="ADAL" clId="{B6D0321D-2E12-4D14-86F7-96624B8D5850}" dt="2025-08-08T00:34:09.904" v="33" actId="27636"/>
+          <ac:spMkLst>
+            <pc:docMk/>
+            <pc:sldMk cId="2218864007" sldId="256"/>
+            <ac:spMk id="2" creationId="{2DE3486E-31BF-03BC-7C2F-5952D4ECFFEC}"/>
+          </ac:spMkLst>
+        </pc:spChg>
+        <pc:spChg chg="mod">
+          <ac:chgData name="Sotirios Damouras" userId="7c1f99a4-7f99-452e-ad75-41cee7f4fa00" providerId="ADAL" clId="{B6D0321D-2E12-4D14-86F7-96624B8D5850}" dt="2025-08-08T00:35:29.581" v="46" actId="120"/>
+          <ac:spMkLst>
+            <pc:docMk/>
+            <pc:sldMk cId="2218864007" sldId="256"/>
+            <ac:spMk id="3" creationId="{F92D4912-EBCC-073B-764E-E1E6CCCC6A92}"/>
+          </ac:spMkLst>
+        </pc:spChg>
+        <pc:picChg chg="add mod">
+          <ac:chgData name="Sotirios Damouras" userId="7c1f99a4-7f99-452e-ad75-41cee7f4fa00" providerId="ADAL" clId="{B6D0321D-2E12-4D14-86F7-96624B8D5850}" dt="2025-08-08T00:35:24.078" v="45"/>
+          <ac:picMkLst>
+            <pc:docMk/>
+            <pc:sldMk cId="2218864007" sldId="256"/>
+            <ac:picMk id="4" creationId="{5D56D73F-AD80-8045-8B43-8FE71A8F2D41}"/>
+          </ac:picMkLst>
+        </pc:picChg>
+        <pc:picChg chg="add mod">
+          <ac:chgData name="Sotirios Damouras" userId="7c1f99a4-7f99-452e-ad75-41cee7f4fa00" providerId="ADAL" clId="{B6D0321D-2E12-4D14-86F7-96624B8D5850}" dt="2025-08-08T00:35:24.078" v="45"/>
+          <ac:picMkLst>
+            <pc:docMk/>
+            <pc:sldMk cId="2218864007" sldId="256"/>
+            <ac:picMk id="5" creationId="{E9F1F8FC-FE01-AAC4-0037-A65721A81E9B}"/>
+          </ac:picMkLst>
+        </pc:picChg>
+        <pc:picChg chg="add mod">
+          <ac:chgData name="Sotirios Damouras" userId="7c1f99a4-7f99-452e-ad75-41cee7f4fa00" providerId="ADAL" clId="{B6D0321D-2E12-4D14-86F7-96624B8D5850}" dt="2025-08-08T00:35:24.078" v="45"/>
+          <ac:picMkLst>
+            <pc:docMk/>
+            <pc:sldMk cId="2218864007" sldId="256"/>
+            <ac:picMk id="6" creationId="{48698C57-9E7F-28E0-5A83-B1FC26952B22}"/>
+          </ac:picMkLst>
+        </pc:picChg>
+      </pc:sldChg>
+      <pc:sldChg chg="addSp modSp new mod">
+        <pc:chgData name="Sotirios Damouras" userId="7c1f99a4-7f99-452e-ad75-41cee7f4fa00" providerId="ADAL" clId="{B6D0321D-2E12-4D14-86F7-96624B8D5850}" dt="2025-08-08T00:41:49.693" v="190" actId="20577"/>
+        <pc:sldMkLst>
+          <pc:docMk/>
+          <pc:sldMk cId="1055789085" sldId="257"/>
+        </pc:sldMkLst>
+        <pc:spChg chg="mod">
+          <ac:chgData name="Sotirios Damouras" userId="7c1f99a4-7f99-452e-ad75-41cee7f4fa00" providerId="ADAL" clId="{B6D0321D-2E12-4D14-86F7-96624B8D5850}" dt="2025-08-08T00:35:43.370" v="59" actId="20577"/>
+          <ac:spMkLst>
+            <pc:docMk/>
+            <pc:sldMk cId="1055789085" sldId="257"/>
+            <ac:spMk id="2" creationId="{EAB07798-F40F-909B-8B04-B6BD7D0E4295}"/>
+          </ac:spMkLst>
+        </pc:spChg>
+        <pc:spChg chg="mod">
+          <ac:chgData name="Sotirios Damouras" userId="7c1f99a4-7f99-452e-ad75-41cee7f4fa00" providerId="ADAL" clId="{B6D0321D-2E12-4D14-86F7-96624B8D5850}" dt="2025-08-08T00:41:49.693" v="190" actId="20577"/>
+          <ac:spMkLst>
+            <pc:docMk/>
+            <pc:sldMk cId="1055789085" sldId="257"/>
+            <ac:spMk id="3" creationId="{4C582891-0BFF-2F3B-6D2A-480BE89F2C10}"/>
+          </ac:spMkLst>
+        </pc:spChg>
+        <pc:graphicFrameChg chg="add mod">
+          <ac:chgData name="Sotirios Damouras" userId="7c1f99a4-7f99-452e-ad75-41cee7f4fa00" providerId="ADAL" clId="{B6D0321D-2E12-4D14-86F7-96624B8D5850}" dt="2025-08-08T00:41:09.134" v="161"/>
+          <ac:graphicFrameMkLst>
+            <pc:docMk/>
+            <pc:sldMk cId="1055789085" sldId="257"/>
+            <ac:graphicFrameMk id="4" creationId="{BB3AB04F-4FE1-2131-45A1-3690481CC5E7}"/>
+          </ac:graphicFrameMkLst>
+        </pc:graphicFrameChg>
+        <pc:graphicFrameChg chg="add mod">
+          <ac:chgData name="Sotirios Damouras" userId="7c1f99a4-7f99-452e-ad75-41cee7f4fa00" providerId="ADAL" clId="{B6D0321D-2E12-4D14-86F7-96624B8D5850}" dt="2025-08-08T00:41:14.122" v="163"/>
+          <ac:graphicFrameMkLst>
+            <pc:docMk/>
+            <pc:sldMk cId="1055789085" sldId="257"/>
+            <ac:graphicFrameMk id="5" creationId="{00BC5FF4-9A53-1A15-4BA9-4B0D8BA0EA1C}"/>
+          </ac:graphicFrameMkLst>
+        </pc:graphicFrameChg>
+      </pc:sldChg>
+      <pc:sldChg chg="modSp new mod">
+        <pc:chgData name="Sotirios Damouras" userId="7c1f99a4-7f99-452e-ad75-41cee7f4fa00" providerId="ADAL" clId="{B6D0321D-2E12-4D14-86F7-96624B8D5850}" dt="2025-08-08T12:03:57.952" v="1220" actId="20577"/>
+        <pc:sldMkLst>
+          <pc:docMk/>
+          <pc:sldMk cId="2738305226" sldId="258"/>
+        </pc:sldMkLst>
+        <pc:spChg chg="mod">
+          <ac:chgData name="Sotirios Damouras" userId="7c1f99a4-7f99-452e-ad75-41cee7f4fa00" providerId="ADAL" clId="{B6D0321D-2E12-4D14-86F7-96624B8D5850}" dt="2025-08-08T00:42:31.381" v="199" actId="20577"/>
+          <ac:spMkLst>
+            <pc:docMk/>
+            <pc:sldMk cId="2738305226" sldId="258"/>
+            <ac:spMk id="2" creationId="{EC9AD1E8-5A96-A558-7F9B-210879617BD5}"/>
+          </ac:spMkLst>
+        </pc:spChg>
+        <pc:spChg chg="mod">
+          <ac:chgData name="Sotirios Damouras" userId="7c1f99a4-7f99-452e-ad75-41cee7f4fa00" providerId="ADAL" clId="{B6D0321D-2E12-4D14-86F7-96624B8D5850}" dt="2025-08-08T12:03:57.952" v="1220" actId="20577"/>
+          <ac:spMkLst>
+            <pc:docMk/>
+            <pc:sldMk cId="2738305226" sldId="258"/>
+            <ac:spMk id="3" creationId="{BAC3BB93-3AE6-CABF-0ED3-B658A54EBD3E}"/>
+          </ac:spMkLst>
+        </pc:spChg>
+        <pc:picChg chg="mod">
+          <ac:chgData name="Sotirios Damouras" userId="7c1f99a4-7f99-452e-ad75-41cee7f4fa00" providerId="ADAL" clId="{B6D0321D-2E12-4D14-86F7-96624B8D5850}" dt="2025-08-08T00:49:14.016" v="549" actId="1076"/>
+          <ac:picMkLst>
+            <pc:docMk/>
+            <pc:sldMk cId="2738305226" sldId="258"/>
+            <ac:picMk id="5" creationId="{5C0AEBF4-7267-8FDC-A05E-4845E025B7A2}"/>
+          </ac:picMkLst>
+        </pc:picChg>
+      </pc:sldChg>
+      <pc:sldChg chg="modSp mod modAnim">
+        <pc:chgData name="Sotirios Damouras" userId="7c1f99a4-7f99-452e-ad75-41cee7f4fa00" providerId="ADAL" clId="{B6D0321D-2E12-4D14-86F7-96624B8D5850}" dt="2025-08-08T12:04:34.513" v="1254" actId="20577"/>
+        <pc:sldMkLst>
+          <pc:docMk/>
+          <pc:sldMk cId="4046263197" sldId="259"/>
+        </pc:sldMkLst>
+        <pc:spChg chg="mod">
+          <ac:chgData name="Sotirios Damouras" userId="7c1f99a4-7f99-452e-ad75-41cee7f4fa00" providerId="ADAL" clId="{B6D0321D-2E12-4D14-86F7-96624B8D5850}" dt="2025-08-08T12:04:34.513" v="1254" actId="20577"/>
+          <ac:spMkLst>
+            <pc:docMk/>
+            <pc:sldMk cId="4046263197" sldId="259"/>
+            <ac:spMk id="3" creationId="{AA860422-1D5D-5863-78EC-71C875941A2F}"/>
+          </ac:spMkLst>
+        </pc:spChg>
+      </pc:sldChg>
+      <pc:sldChg chg="modSp mod modAnim">
+        <pc:chgData name="Sotirios Damouras" userId="7c1f99a4-7f99-452e-ad75-41cee7f4fa00" providerId="ADAL" clId="{B6D0321D-2E12-4D14-86F7-96624B8D5850}" dt="2025-08-08T12:05:43.083" v="1286" actId="20577"/>
+        <pc:sldMkLst>
+          <pc:docMk/>
+          <pc:sldMk cId="1900785627" sldId="263"/>
+        </pc:sldMkLst>
+        <pc:spChg chg="mod">
+          <ac:chgData name="Sotirios Damouras" userId="7c1f99a4-7f99-452e-ad75-41cee7f4fa00" providerId="ADAL" clId="{B6D0321D-2E12-4D14-86F7-96624B8D5850}" dt="2025-08-08T12:05:35.842" v="1280" actId="20577"/>
+          <ac:spMkLst>
+            <pc:docMk/>
+            <pc:sldMk cId="1900785627" sldId="263"/>
+            <ac:spMk id="3" creationId="{FF0561A9-39CF-4CCB-663E-17AC0016501C}"/>
+          </ac:spMkLst>
+        </pc:spChg>
+        <pc:picChg chg="mod">
+          <ac:chgData name="Sotirios Damouras" userId="7c1f99a4-7f99-452e-ad75-41cee7f4fa00" providerId="ADAL" clId="{B6D0321D-2E12-4D14-86F7-96624B8D5850}" dt="2025-08-08T12:05:19.776" v="1257" actId="1035"/>
+          <ac:picMkLst>
+            <pc:docMk/>
+            <pc:sldMk cId="1900785627" sldId="263"/>
+            <ac:picMk id="9" creationId="{C1B93159-6E15-F46C-78E9-6437F74259D8}"/>
+          </ac:picMkLst>
+        </pc:picChg>
+      </pc:sldChg>
+      <pc:sldChg chg="modSp">
+        <pc:chgData name="Sotirios Damouras" userId="7c1f99a4-7f99-452e-ad75-41cee7f4fa00" providerId="ADAL" clId="{B6D0321D-2E12-4D14-86F7-96624B8D5850}" dt="2025-08-08T12:11:44.664" v="1477" actId="20577"/>
+        <pc:sldMkLst>
+          <pc:docMk/>
+          <pc:sldMk cId="3752996883" sldId="264"/>
+        </pc:sldMkLst>
+        <pc:spChg chg="mod">
+          <ac:chgData name="Sotirios Damouras" userId="7c1f99a4-7f99-452e-ad75-41cee7f4fa00" providerId="ADAL" clId="{B6D0321D-2E12-4D14-86F7-96624B8D5850}" dt="2025-08-08T12:11:44.664" v="1477" actId="20577"/>
+          <ac:spMkLst>
+            <pc:docMk/>
+            <pc:sldMk cId="3752996883" sldId="264"/>
+            <ac:spMk id="3" creationId="{91703F77-3B61-7BF6-43A4-4DD4BD75D934}"/>
+          </ac:spMkLst>
+        </pc:spChg>
+      </pc:sldChg>
+      <pc:sldChg chg="modSp">
+        <pc:chgData name="Sotirios Damouras" userId="7c1f99a4-7f99-452e-ad75-41cee7f4fa00" providerId="ADAL" clId="{B6D0321D-2E12-4D14-86F7-96624B8D5850}" dt="2025-08-08T12:16:21.013" v="1509"/>
+        <pc:sldMkLst>
+          <pc:docMk/>
+          <pc:sldMk cId="633075678" sldId="266"/>
+        </pc:sldMkLst>
+        <pc:picChg chg="mod">
+          <ac:chgData name="Sotirios Damouras" userId="7c1f99a4-7f99-452e-ad75-41cee7f4fa00" providerId="ADAL" clId="{B6D0321D-2E12-4D14-86F7-96624B8D5850}" dt="2025-08-08T12:16:21.013" v="1509"/>
+          <ac:picMkLst>
+            <pc:docMk/>
+            <pc:sldMk cId="633075678" sldId="266"/>
+            <ac:picMk id="7" creationId="{D29ED3A4-D0BA-3489-0F44-38FD4B981D6A}"/>
+          </ac:picMkLst>
+        </pc:picChg>
+      </pc:sldChg>
+      <pc:sldChg chg="addSp modSp mod modAnim">
+        <pc:chgData name="Sotirios Damouras" userId="7c1f99a4-7f99-452e-ad75-41cee7f4fa00" providerId="ADAL" clId="{B6D0321D-2E12-4D14-86F7-96624B8D5850}" dt="2025-08-08T12:16:01.725" v="1508"/>
+        <pc:sldMkLst>
+          <pc:docMk/>
+          <pc:sldMk cId="475932519" sldId="267"/>
+        </pc:sldMkLst>
+        <pc:picChg chg="mod">
+          <ac:chgData name="Sotirios Damouras" userId="7c1f99a4-7f99-452e-ad75-41cee7f4fa00" providerId="ADAL" clId="{B6D0321D-2E12-4D14-86F7-96624B8D5850}" dt="2025-08-08T12:16:01.725" v="1508"/>
+          <ac:picMkLst>
+            <pc:docMk/>
+            <pc:sldMk cId="475932519" sldId="267"/>
+            <ac:picMk id="5" creationId="{14796E7A-BDD9-1A74-951C-C2620A97B276}"/>
+          </ac:picMkLst>
+        </pc:picChg>
+        <pc:picChg chg="add mod">
+          <ac:chgData name="Sotirios Damouras" userId="7c1f99a4-7f99-452e-ad75-41cee7f4fa00" providerId="ADAL" clId="{B6D0321D-2E12-4D14-86F7-96624B8D5850}" dt="2025-08-08T12:15:37.418" v="1507" actId="1076"/>
+          <ac:picMkLst>
+            <pc:docMk/>
+            <pc:sldMk cId="475932519" sldId="267"/>
+            <ac:picMk id="6" creationId="{EEAE2966-EF7E-CE51-090A-A1B8F8084F7B}"/>
+          </ac:picMkLst>
+        </pc:picChg>
+      </pc:sldChg>
+      <pc:sldChg chg="delSp modSp mod">
+        <pc:chgData name="Sotirios Damouras" userId="7c1f99a4-7f99-452e-ad75-41cee7f4fa00" providerId="ADAL" clId="{B6D0321D-2E12-4D14-86F7-96624B8D5850}" dt="2025-08-08T12:12:15.013" v="1495" actId="20577"/>
+        <pc:sldMkLst>
+          <pc:docMk/>
+          <pc:sldMk cId="1253115269" sldId="268"/>
+        </pc:sldMkLst>
+        <pc:spChg chg="mod">
+          <ac:chgData name="Sotirios Damouras" userId="7c1f99a4-7f99-452e-ad75-41cee7f4fa00" providerId="ADAL" clId="{B6D0321D-2E12-4D14-86F7-96624B8D5850}" dt="2025-08-08T12:12:15.013" v="1495" actId="20577"/>
+          <ac:spMkLst>
+            <pc:docMk/>
+            <pc:sldMk cId="1253115269" sldId="268"/>
+            <ac:spMk id="3" creationId="{BFE121E7-E097-55C5-1A1A-51C97E6310D6}"/>
+          </ac:spMkLst>
+        </pc:spChg>
+        <pc:picChg chg="del mod">
+          <ac:chgData name="Sotirios Damouras" userId="7c1f99a4-7f99-452e-ad75-41cee7f4fa00" providerId="ADAL" clId="{B6D0321D-2E12-4D14-86F7-96624B8D5850}" dt="2025-08-08T11:34:49.542" v="632" actId="478"/>
+          <ac:picMkLst>
+            <pc:docMk/>
+            <pc:sldMk cId="1253115269" sldId="268"/>
+            <ac:picMk id="4" creationId="{70BBD3BC-D5FD-963F-51DA-E09C3003097A}"/>
+          </ac:picMkLst>
+        </pc:picChg>
+        <pc:picChg chg="del mod">
+          <ac:chgData name="Sotirios Damouras" userId="7c1f99a4-7f99-452e-ad75-41cee7f4fa00" providerId="ADAL" clId="{B6D0321D-2E12-4D14-86F7-96624B8D5850}" dt="2025-08-08T11:30:16.633" v="597" actId="478"/>
+          <ac:picMkLst>
+            <pc:docMk/>
+            <pc:sldMk cId="1253115269" sldId="268"/>
+            <ac:picMk id="6" creationId="{FEDF2D49-52BA-1286-03C2-55538E2379BA}"/>
+          </ac:picMkLst>
+        </pc:picChg>
+        <pc:picChg chg="del mod ord">
+          <ac:chgData name="Sotirios Damouras" userId="7c1f99a4-7f99-452e-ad75-41cee7f4fa00" providerId="ADAL" clId="{B6D0321D-2E12-4D14-86F7-96624B8D5850}" dt="2025-08-08T11:35:18.801" v="644" actId="478"/>
+          <ac:picMkLst>
+            <pc:docMk/>
+            <pc:sldMk cId="1253115269" sldId="268"/>
+            <ac:picMk id="8" creationId="{CAC15D9C-4520-814A-C897-9E2BBDADA032}"/>
+          </ac:picMkLst>
+        </pc:picChg>
+        <pc:picChg chg="del mod ord">
+          <ac:chgData name="Sotirios Damouras" userId="7c1f99a4-7f99-452e-ad75-41cee7f4fa00" providerId="ADAL" clId="{B6D0321D-2E12-4D14-86F7-96624B8D5850}" dt="2025-08-08T11:38:25.125" v="656" actId="478"/>
+          <ac:picMkLst>
+            <pc:docMk/>
+            <pc:sldMk cId="1253115269" sldId="268"/>
+            <ac:picMk id="10" creationId="{F1A94AF3-E568-EDC8-327D-23774C20FDCC}"/>
+          </ac:picMkLst>
+        </pc:picChg>
+        <pc:picChg chg="del mod ord">
+          <ac:chgData name="Sotirios Damouras" userId="7c1f99a4-7f99-452e-ad75-41cee7f4fa00" providerId="ADAL" clId="{B6D0321D-2E12-4D14-86F7-96624B8D5850}" dt="2025-08-08T11:39:54.298" v="670" actId="478"/>
+          <ac:picMkLst>
+            <pc:docMk/>
+            <pc:sldMk cId="1253115269" sldId="268"/>
+            <ac:picMk id="12" creationId="{E767F631-DB77-2CFF-352F-0D1CE7C8C7A1}"/>
+          </ac:picMkLst>
+        </pc:picChg>
+        <pc:picChg chg="del mod ord">
+          <ac:chgData name="Sotirios Damouras" userId="7c1f99a4-7f99-452e-ad75-41cee7f4fa00" providerId="ADAL" clId="{B6D0321D-2E12-4D14-86F7-96624B8D5850}" dt="2025-08-08T11:40:50.787" v="683" actId="478"/>
+          <ac:picMkLst>
+            <pc:docMk/>
+            <pc:sldMk cId="1253115269" sldId="268"/>
+            <ac:picMk id="14" creationId="{8A51D69B-5516-E55E-5990-930F4B4B15CC}"/>
+          </ac:picMkLst>
+        </pc:picChg>
+        <pc:picChg chg="del mod ord">
+          <ac:chgData name="Sotirios Damouras" userId="7c1f99a4-7f99-452e-ad75-41cee7f4fa00" providerId="ADAL" clId="{B6D0321D-2E12-4D14-86F7-96624B8D5850}" dt="2025-08-08T11:41:34.147" v="695" actId="478"/>
+          <ac:picMkLst>
+            <pc:docMk/>
+            <pc:sldMk cId="1253115269" sldId="268"/>
+            <ac:picMk id="16" creationId="{0CAF3812-ED7B-942B-3310-C263D4C52EFA}"/>
+          </ac:picMkLst>
+        </pc:picChg>
+        <pc:picChg chg="del mod ord">
+          <ac:chgData name="Sotirios Damouras" userId="7c1f99a4-7f99-452e-ad75-41cee7f4fa00" providerId="ADAL" clId="{B6D0321D-2E12-4D14-86F7-96624B8D5850}" dt="2025-08-08T11:42:09.535" v="707" actId="478"/>
+          <ac:picMkLst>
+            <pc:docMk/>
+            <pc:sldMk cId="1253115269" sldId="268"/>
+            <ac:picMk id="18" creationId="{2D68A552-8F5A-6730-0142-8FE0EBB5C0D3}"/>
+          </ac:picMkLst>
+        </pc:picChg>
+        <pc:picChg chg="del mod ord">
+          <ac:chgData name="Sotirios Damouras" userId="7c1f99a4-7f99-452e-ad75-41cee7f4fa00" providerId="ADAL" clId="{B6D0321D-2E12-4D14-86F7-96624B8D5850}" dt="2025-08-08T11:42:16.778" v="719" actId="478"/>
+          <ac:picMkLst>
+            <pc:docMk/>
+            <pc:sldMk cId="1253115269" sldId="268"/>
+            <ac:picMk id="20" creationId="{FDAAD179-99D6-6B9F-740A-91E2C288C80A}"/>
+          </ac:picMkLst>
+        </pc:picChg>
+        <pc:picChg chg="del mod ord">
+          <ac:chgData name="Sotirios Damouras" userId="7c1f99a4-7f99-452e-ad75-41cee7f4fa00" providerId="ADAL" clId="{B6D0321D-2E12-4D14-86F7-96624B8D5850}" dt="2025-08-08T11:42:31.757" v="731" actId="478"/>
+          <ac:picMkLst>
+            <pc:docMk/>
+            <pc:sldMk cId="1253115269" sldId="268"/>
+            <ac:picMk id="22" creationId="{A40B1C62-86C4-207D-825C-4DD50C335BAD}"/>
+          </ac:picMkLst>
+        </pc:picChg>
+        <pc:picChg chg="mod ord">
+          <ac:chgData name="Sotirios Damouras" userId="7c1f99a4-7f99-452e-ad75-41cee7f4fa00" providerId="ADAL" clId="{B6D0321D-2E12-4D14-86F7-96624B8D5850}" dt="2025-08-08T12:12:09.742" v="1479" actId="1076"/>
+          <ac:picMkLst>
+            <pc:docMk/>
+            <pc:sldMk cId="1253115269" sldId="268"/>
+            <ac:picMk id="24" creationId="{D2F1FD8A-7F47-9FB2-21A4-2F374A338398}"/>
+          </ac:picMkLst>
+        </pc:picChg>
+      </pc:sldChg>
+      <pc:sldChg chg="modSp new mod">
+        <pc:chgData name="Sotirios Damouras" userId="7c1f99a4-7f99-452e-ad75-41cee7f4fa00" providerId="ADAL" clId="{B6D0321D-2E12-4D14-86F7-96624B8D5850}" dt="2025-08-08T12:10:52.270" v="1441" actId="20577"/>
+        <pc:sldMkLst>
+          <pc:docMk/>
+          <pc:sldMk cId="4180034831" sldId="269"/>
+        </pc:sldMkLst>
+        <pc:spChg chg="mod">
+          <ac:chgData name="Sotirios Damouras" userId="7c1f99a4-7f99-452e-ad75-41cee7f4fa00" providerId="ADAL" clId="{B6D0321D-2E12-4D14-86F7-96624B8D5850}" dt="2025-08-08T11:43:11.876" v="749" actId="20577"/>
+          <ac:spMkLst>
+            <pc:docMk/>
+            <pc:sldMk cId="4180034831" sldId="269"/>
+            <ac:spMk id="2" creationId="{C8AA2638-4A06-1907-7296-FFF745279A3B}"/>
+          </ac:spMkLst>
+        </pc:spChg>
+        <pc:spChg chg="mod">
+          <ac:chgData name="Sotirios Damouras" userId="7c1f99a4-7f99-452e-ad75-41cee7f4fa00" providerId="ADAL" clId="{B6D0321D-2E12-4D14-86F7-96624B8D5850}" dt="2025-08-08T12:10:52.270" v="1441" actId="20577"/>
+          <ac:spMkLst>
+            <pc:docMk/>
+            <pc:sldMk cId="4180034831" sldId="269"/>
+            <ac:spMk id="3" creationId="{8BB397EB-30A4-B7D3-B899-B86A6191DA53}"/>
+          </ac:spMkLst>
+        </pc:spChg>
+      </pc:sldChg>
+      <pc:sldChg chg="addSp delSp modSp new mod modClrScheme chgLayout">
+        <pc:chgData name="Sotirios Damouras" userId="7c1f99a4-7f99-452e-ad75-41cee7f4fa00" providerId="ADAL" clId="{B6D0321D-2E12-4D14-86F7-96624B8D5850}" dt="2025-08-08T12:16:42.569" v="1510"/>
+        <pc:sldMkLst>
+          <pc:docMk/>
+          <pc:sldMk cId="3624215465" sldId="270"/>
+        </pc:sldMkLst>
+        <pc:spChg chg="mod ord">
+          <ac:chgData name="Sotirios Damouras" userId="7c1f99a4-7f99-452e-ad75-41cee7f4fa00" providerId="ADAL" clId="{B6D0321D-2E12-4D14-86F7-96624B8D5850}" dt="2025-08-08T12:06:49.788" v="1327" actId="700"/>
+          <ac:spMkLst>
+            <pc:docMk/>
+            <pc:sldMk cId="3624215465" sldId="270"/>
+            <ac:spMk id="2" creationId="{30D34A93-F6C8-81C1-85CB-27FCFCA63ED8}"/>
+          </ac:spMkLst>
+        </pc:spChg>
+        <pc:spChg chg="mod ord">
+          <ac:chgData name="Sotirios Damouras" userId="7c1f99a4-7f99-452e-ad75-41cee7f4fa00" providerId="ADAL" clId="{B6D0321D-2E12-4D14-86F7-96624B8D5850}" dt="2025-08-08T12:10:23.135" v="1425" actId="20577"/>
+          <ac:spMkLst>
+            <pc:docMk/>
+            <pc:sldMk cId="3624215465" sldId="270"/>
+            <ac:spMk id="3" creationId="{94399142-9189-9810-4050-C09367BFE2BC}"/>
+          </ac:spMkLst>
+        </pc:spChg>
+        <pc:spChg chg="add del mod ord">
+          <ac:chgData name="Sotirios Damouras" userId="7c1f99a4-7f99-452e-ad75-41cee7f4fa00" providerId="ADAL" clId="{B6D0321D-2E12-4D14-86F7-96624B8D5850}" dt="2025-08-08T12:09:34.755" v="1412" actId="22"/>
+          <ac:spMkLst>
+            <pc:docMk/>
+            <pc:sldMk cId="3624215465" sldId="270"/>
+            <ac:spMk id="4" creationId="{67C23F41-0499-7AD9-17AC-98181F693B55}"/>
+          </ac:spMkLst>
+        </pc:spChg>
+        <pc:spChg chg="add mod">
+          <ac:chgData name="Sotirios Damouras" userId="7c1f99a4-7f99-452e-ad75-41cee7f4fa00" providerId="ADAL" clId="{B6D0321D-2E12-4D14-86F7-96624B8D5850}" dt="2025-08-08T12:08:15.812" v="1403" actId="767"/>
+          <ac:spMkLst>
+            <pc:docMk/>
+            <pc:sldMk cId="3624215465" sldId="270"/>
+            <ac:spMk id="5" creationId="{08475273-4720-EF12-1BE0-467D85B74538}"/>
+          </ac:spMkLst>
+        </pc:spChg>
+        <pc:spChg chg="add mod">
+          <ac:chgData name="Sotirios Damouras" userId="7c1f99a4-7f99-452e-ad75-41cee7f4fa00" providerId="ADAL" clId="{B6D0321D-2E12-4D14-86F7-96624B8D5850}" dt="2025-08-08T12:09:47.548" v="1418" actId="1076"/>
+          <ac:spMkLst>
+            <pc:docMk/>
+            <pc:sldMk cId="3624215465" sldId="270"/>
+            <ac:spMk id="6" creationId="{4A179256-8A6B-8199-FC06-67CC85AB4310}"/>
+          </ac:spMkLst>
+        </pc:spChg>
+        <pc:picChg chg="add mod ord">
+          <ac:chgData name="Sotirios Damouras" userId="7c1f99a4-7f99-452e-ad75-41cee7f4fa00" providerId="ADAL" clId="{B6D0321D-2E12-4D14-86F7-96624B8D5850}" dt="2025-08-08T12:16:42.569" v="1510"/>
+          <ac:picMkLst>
+            <pc:docMk/>
+            <pc:sldMk cId="3624215465" sldId="270"/>
+            <ac:picMk id="8" creationId="{7B369F8A-CF9D-D067-0774-1CF9DF6FFFD0}"/>
+          </ac:picMkLst>
+        </pc:picChg>
+      </pc:sldChg>
+      <pc:sldChg chg="addSp modSp new mod modAnim">
+        <pc:chgData name="Sotirios Damouras" userId="7c1f99a4-7f99-452e-ad75-41cee7f4fa00" providerId="ADAL" clId="{B6D0321D-2E12-4D14-86F7-96624B8D5850}" dt="2025-08-08T12:00:38.840" v="1085"/>
+        <pc:sldMkLst>
+          <pc:docMk/>
+          <pc:sldMk cId="1260412405" sldId="271"/>
+        </pc:sldMkLst>
+        <pc:spChg chg="mod">
+          <ac:chgData name="Sotirios Damouras" userId="7c1f99a4-7f99-452e-ad75-41cee7f4fa00" providerId="ADAL" clId="{B6D0321D-2E12-4D14-86F7-96624B8D5850}" dt="2025-08-08T11:50:42.685" v="800" actId="20577"/>
+          <ac:spMkLst>
+            <pc:docMk/>
+            <pc:sldMk cId="1260412405" sldId="271"/>
+            <ac:spMk id="2" creationId="{4349F61E-B8F2-5926-BB9C-7FF24C76EB97}"/>
+          </ac:spMkLst>
+        </pc:spChg>
+        <pc:spChg chg="mod">
+          <ac:chgData name="Sotirios Damouras" userId="7c1f99a4-7f99-452e-ad75-41cee7f4fa00" providerId="ADAL" clId="{B6D0321D-2E12-4D14-86F7-96624B8D5850}" dt="2025-08-08T12:00:19.913" v="1082" actId="6549"/>
+          <ac:spMkLst>
+            <pc:docMk/>
+            <pc:sldMk cId="1260412405" sldId="271"/>
+            <ac:spMk id="3" creationId="{0CE13D8E-9EE6-352E-852B-FC0ACCBF1628}"/>
+          </ac:spMkLst>
+        </pc:spChg>
+        <pc:picChg chg="add mod">
+          <ac:chgData name="Sotirios Damouras" userId="7c1f99a4-7f99-452e-ad75-41cee7f4fa00" providerId="ADAL" clId="{B6D0321D-2E12-4D14-86F7-96624B8D5850}" dt="2025-08-08T12:00:26.183" v="1083" actId="1076"/>
+          <ac:picMkLst>
+            <pc:docMk/>
+            <pc:sldMk cId="1260412405" sldId="271"/>
+            <ac:picMk id="4" creationId="{8D6BBE91-FFF6-A199-3E48-233751F389BF}"/>
+          </ac:picMkLst>
+        </pc:picChg>
+      </pc:sldChg>
+    </pc:docChg>
+  </pc:docChgLst>
+  <pc:docChgLst>
+    <pc:chgData name="Sotirios Damouras" userId="7c1f99a4-7f99-452e-ad75-41cee7f4fa00" providerId="ADAL" clId="{3405F086-13D5-4775-8230-A9EC0EBFC406}"/>
+    <pc:docChg chg="undo redo custSel modSld">
+      <pc:chgData name="Sotirios Damouras" userId="7c1f99a4-7f99-452e-ad75-41cee7f4fa00" providerId="ADAL" clId="{3405F086-13D5-4775-8230-A9EC0EBFC406}" dt="2025-08-08T12:46:32.642" v="232" actId="1076"/>
+      <pc:docMkLst>
+        <pc:docMk/>
+      </pc:docMkLst>
+      <pc:sldChg chg="modSp mod">
+        <pc:chgData name="Sotirios Damouras" userId="7c1f99a4-7f99-452e-ad75-41cee7f4fa00" providerId="ADAL" clId="{3405F086-13D5-4775-8230-A9EC0EBFC406}" dt="2025-08-08T12:46:32.642" v="232" actId="1076"/>
+        <pc:sldMkLst>
+          <pc:docMk/>
+          <pc:sldMk cId="4180034831" sldId="269"/>
+        </pc:sldMkLst>
+        <pc:spChg chg="mod">
+          <ac:chgData name="Sotirios Damouras" userId="7c1f99a4-7f99-452e-ad75-41cee7f4fa00" providerId="ADAL" clId="{3405F086-13D5-4775-8230-A9EC0EBFC406}" dt="2025-08-08T12:46:25.088" v="230" actId="6549"/>
+          <ac:spMkLst>
+            <pc:docMk/>
+            <pc:sldMk cId="4180034831" sldId="269"/>
+            <ac:spMk id="3" creationId="{8BB397EB-30A4-B7D3-B899-B86A6191DA53}"/>
+          </ac:spMkLst>
+        </pc:spChg>
+        <pc:picChg chg="mod">
+          <ac:chgData name="Sotirios Damouras" userId="7c1f99a4-7f99-452e-ad75-41cee7f4fa00" providerId="ADAL" clId="{3405F086-13D5-4775-8230-A9EC0EBFC406}" dt="2025-08-08T12:46:32.642" v="232" actId="1076"/>
+          <ac:picMkLst>
+            <pc:docMk/>
+            <pc:sldMk cId="4180034831" sldId="269"/>
+            <ac:picMk id="5" creationId="{8A1E6F3D-A71B-7D58-1212-6236D92DD399}"/>
+          </ac:picMkLst>
+        </pc:picChg>
+        <pc:picChg chg="mod">
+          <ac:chgData name="Sotirios Damouras" userId="7c1f99a4-7f99-452e-ad75-41cee7f4fa00" providerId="ADAL" clId="{3405F086-13D5-4775-8230-A9EC0EBFC406}" dt="2025-08-08T12:45:49.348" v="130" actId="14100"/>
+          <ac:picMkLst>
+            <pc:docMk/>
+            <pc:sldMk cId="4180034831" sldId="269"/>
+            <ac:picMk id="7" creationId="{4411618C-D1A6-29E5-7644-4DFEB02AE36A}"/>
           </ac:picMkLst>
         </pc:picChg>
       </pc:sldChg>
@@ -4491,10 +4532,10 @@
           <a:lstStyle/>
           <a:p>
             <a:r>
-              <a:rPr lang="en-CA" dirty="0"/>
+              <a:rPr lang="en-CA"/>
               <a:t>The Most Beautiful Equation in Mathematics</a:t>
             </a:r>
-            <a:endParaRPr lang="en-US" dirty="0"/>
+            <a:endParaRPr lang="en-US"/>
           </a:p>
         </p:txBody>
       </p:sp>
@@ -4520,7 +4561,7 @@
           <a:lstStyle/>
           <a:p>
             <a:r>
-              <a:rPr lang="en-US" dirty="0"/>
+              <a:rPr lang="en-US"/>
               <a:t>2025 Green Path Summer School</a:t>
             </a:r>
           </a:p>
@@ -4697,7 +4738,7 @@
           <a:lstStyle/>
           <a:p>
             <a:r>
-              <a:rPr lang="en-US" dirty="0"/>
+              <a:rPr lang="en-US"/>
               <a:t>Power Series</a:t>
             </a:r>
           </a:p>
@@ -4725,69 +4766,69 @@
           <a:lstStyle/>
           <a:p>
             <a:r>
-              <a:rPr lang="en-US" dirty="0"/>
+              <a:rPr lang="en-US"/>
               <a:t>Many functions can be equivalently expressed as </a:t>
             </a:r>
             <a:r>
-              <a:rPr lang="en-US" dirty="0">
+              <a:rPr lang="en-US">
                 <a:hlinkClick r:id="rId3"/>
               </a:rPr>
               <a:t>Power Series</a:t>
             </a:r>
-            <a:endParaRPr lang="en-US" dirty="0"/>
-          </a:p>
-          <a:p>
-            <a:endParaRPr lang="en-US" dirty="0"/>
-          </a:p>
-          <a:p>
-            <a:endParaRPr lang="en-US" dirty="0"/>
-          </a:p>
-          <a:p>
-            <a:endParaRPr lang="en-US" dirty="0"/>
+            <a:endParaRPr lang="en-US"/>
+          </a:p>
+          <a:p>
+            <a:endParaRPr lang="en-US"/>
+          </a:p>
+          <a:p>
+            <a:endParaRPr lang="en-US"/>
+          </a:p>
+          <a:p>
+            <a:endParaRPr lang="en-US"/>
           </a:p>
           <a:p>
             <a:pPr lvl="1"/>
-            <a:endParaRPr lang="en-US" dirty="0"/>
+            <a:endParaRPr lang="en-US"/>
           </a:p>
           <a:p>
             <a:pPr lvl="1"/>
             <a:r>
-              <a:rPr lang="en-US" dirty="0"/>
+              <a:rPr lang="en-US"/>
               <a:t>Coefficients </a:t>
             </a:r>
             <a:r>
-              <a:rPr lang="en-US" sz="3200" i="1" dirty="0">
+              <a:rPr lang="en-US" sz="3200" i="1">
                 <a:latin typeface="Times New Roman" panose="02020603050405020304" pitchFamily="18" charset="0"/>
                 <a:cs typeface="Times New Roman" panose="02020603050405020304" pitchFamily="18" charset="0"/>
               </a:rPr>
               <a:t>a</a:t>
             </a:r>
             <a:r>
-              <a:rPr lang="en-US" sz="3200" i="1" baseline="-25000" dirty="0">
+              <a:rPr lang="en-US" sz="3200" i="1" baseline="-25000">
                 <a:latin typeface="Times New Roman" panose="02020603050405020304" pitchFamily="18" charset="0"/>
                 <a:cs typeface="Times New Roman" panose="02020603050405020304" pitchFamily="18" charset="0"/>
               </a:rPr>
               <a:t>n</a:t>
             </a:r>
             <a:r>
-              <a:rPr lang="en-US" dirty="0"/>
+              <a:rPr lang="en-US"/>
               <a:t> determine function (like its “DNA”)</a:t>
             </a:r>
           </a:p>
           <a:p>
             <a:pPr lvl="1"/>
             <a:r>
-              <a:rPr lang="en-US" dirty="0"/>
+              <a:rPr lang="en-US"/>
               <a:t>Such functions are called </a:t>
             </a:r>
             <a:r>
-              <a:rPr lang="en-US" dirty="0">
+              <a:rPr lang="en-US">
                 <a:hlinkClick r:id="rId4"/>
               </a:rPr>
               <a:t>entire</a:t>
             </a:r>
             <a:r>
-              <a:rPr lang="en-US" dirty="0"/>
+              <a:rPr lang="en-US"/>
               <a:t> and include the exponential and trigonometric functions</a:t>
             </a:r>
           </a:p>
@@ -5013,7 +5054,7 @@
           <a:lstStyle/>
           <a:p>
             <a:r>
-              <a:rPr lang="en-US" dirty="0"/>
+              <a:rPr lang="en-US"/>
               <a:t>Example</a:t>
             </a:r>
           </a:p>
@@ -5041,15 +5082,15 @@
           <a:lstStyle/>
           <a:p>
             <a:r>
-              <a:rPr lang="en-US" dirty="0"/>
+              <a:rPr lang="en-US"/>
               <a:t>Express polynomial function                                     as power series  (i.e., find its coefficients)</a:t>
             </a:r>
           </a:p>
           <a:p>
-            <a:endParaRPr lang="en-US" dirty="0"/>
-          </a:p>
-          <a:p>
-            <a:endParaRPr lang="en-US" dirty="0"/>
+            <a:endParaRPr lang="en-US"/>
+          </a:p>
+          <a:p>
+            <a:endParaRPr lang="en-US"/>
           </a:p>
         </p:txBody>
       </p:sp>
@@ -5145,7 +5186,7 @@
           <a:lstStyle/>
           <a:p>
             <a:r>
-              <a:rPr lang="en-US" dirty="0"/>
+              <a:rPr lang="en-US"/>
               <a:t>Exponential Function</a:t>
             </a:r>
           </a:p>
@@ -5173,66 +5214,66 @@
           <a:lstStyle/>
           <a:p>
             <a:r>
-              <a:rPr lang="en-US" dirty="0"/>
+              <a:rPr lang="en-US"/>
               <a:t>The </a:t>
             </a:r>
             <a:r>
-              <a:rPr lang="en-US" b="1" dirty="0"/>
+              <a:rPr lang="en-US" b="1"/>
               <a:t>exponential</a:t>
             </a:r>
             <a:r>
-              <a:rPr lang="en-US" dirty="0"/>
+              <a:rPr lang="en-US"/>
               <a:t> function can be expressed as</a:t>
             </a:r>
           </a:p>
           <a:p>
-            <a:endParaRPr lang="en-US" dirty="0"/>
-          </a:p>
-          <a:p>
-            <a:endParaRPr lang="en-US" dirty="0"/>
+            <a:endParaRPr lang="en-US"/>
+          </a:p>
+          <a:p>
+            <a:endParaRPr lang="en-US"/>
           </a:p>
           <a:p>
             <a:pPr lvl="2"/>
-            <a:endParaRPr lang="en-US" dirty="0"/>
+            <a:endParaRPr lang="en-US"/>
           </a:p>
           <a:p>
             <a:pPr lvl="2"/>
-            <a:endParaRPr lang="en-US" dirty="0"/>
+            <a:endParaRPr lang="en-US"/>
           </a:p>
           <a:p>
             <a:pPr marL="457200" lvl="1" indent="0">
               <a:buNone/>
             </a:pPr>
             <a:r>
-              <a:rPr lang="en-US" dirty="0"/>
+              <a:rPr lang="en-US"/>
               <a:t>where </a:t>
             </a:r>
             <a:r>
-              <a:rPr lang="en-US" sz="3200" i="1" dirty="0">
+              <a:rPr lang="en-US" sz="3200" i="1">
                 <a:latin typeface="Times New Roman" panose="02020603050405020304" pitchFamily="18" charset="0"/>
                 <a:cs typeface="Times New Roman" panose="02020603050405020304" pitchFamily="18" charset="0"/>
               </a:rPr>
               <a:t>n</a:t>
             </a:r>
             <a:r>
-              <a:rPr lang="en-US" sz="3200" dirty="0">
+              <a:rPr lang="en-US" sz="3200">
                 <a:latin typeface="Times New Roman" panose="02020603050405020304" pitchFamily="18" charset="0"/>
                 <a:cs typeface="Times New Roman" panose="02020603050405020304" pitchFamily="18" charset="0"/>
               </a:rPr>
               <a:t>!</a:t>
             </a:r>
             <a:r>
-              <a:rPr lang="en-US" dirty="0"/>
+              <a:rPr lang="en-US"/>
               <a:t> is </a:t>
             </a:r>
             <a:r>
-              <a:rPr lang="en-US" dirty="0">
+              <a:rPr lang="en-US">
                 <a:hlinkClick r:id="rId4"/>
               </a:rPr>
               <a:t>factorial</a:t>
             </a:r>
             <a:r>
-              <a:rPr lang="en-US" dirty="0"/>
+              <a:rPr lang="en-US"/>
               <a:t> </a:t>
             </a:r>
           </a:p>
@@ -5401,7 +5442,7 @@
           <a:lstStyle/>
           <a:p>
             <a:r>
-              <a:rPr lang="en-US" dirty="0"/>
+              <a:rPr lang="en-US"/>
               <a:t>Sine Function</a:t>
             </a:r>
           </a:p>
@@ -5429,48 +5470,48 @@
           <a:lstStyle/>
           <a:p>
             <a:r>
-              <a:rPr lang="en-US" dirty="0"/>
+              <a:rPr lang="en-US"/>
               <a:t>The </a:t>
             </a:r>
             <a:r>
-              <a:rPr lang="en-US" b="1" dirty="0"/>
+              <a:rPr lang="en-US" b="1"/>
               <a:t>cosine </a:t>
             </a:r>
             <a:r>
-              <a:rPr lang="en-US" dirty="0"/>
+              <a:rPr lang="en-US"/>
               <a:t>function can be expressed as</a:t>
             </a:r>
           </a:p>
           <a:p>
             <a:pPr lvl="1"/>
-            <a:endParaRPr lang="en-US" dirty="0"/>
-          </a:p>
-          <a:p>
-            <a:endParaRPr lang="en-US" dirty="0"/>
+            <a:endParaRPr lang="en-US"/>
+          </a:p>
+          <a:p>
+            <a:endParaRPr lang="en-US"/>
           </a:p>
           <a:p>
             <a:pPr lvl="1"/>
-            <a:endParaRPr lang="en-US" dirty="0"/>
-          </a:p>
-          <a:p>
-            <a:r>
-              <a:rPr lang="en-US" dirty="0"/>
+            <a:endParaRPr lang="en-US"/>
+          </a:p>
+          <a:p>
+            <a:r>
+              <a:rPr lang="en-US"/>
               <a:t>The </a:t>
             </a:r>
             <a:r>
-              <a:rPr lang="en-US" b="1" dirty="0"/>
+              <a:rPr lang="en-US" b="1"/>
               <a:t>sine </a:t>
             </a:r>
             <a:r>
-              <a:rPr lang="en-US" dirty="0"/>
+              <a:rPr lang="en-US"/>
               <a:t>function can be expressed as</a:t>
             </a:r>
           </a:p>
           <a:p>
-            <a:endParaRPr lang="en-US" dirty="0"/>
-          </a:p>
-          <a:p>
-            <a:endParaRPr lang="en-US" dirty="0"/>
+            <a:endParaRPr lang="en-US"/>
+          </a:p>
+          <a:p>
+            <a:endParaRPr lang="en-US"/>
           </a:p>
         </p:txBody>
       </p:sp>
@@ -5801,7 +5842,7 @@
           <a:lstStyle/>
           <a:p>
             <a:r>
-              <a:rPr lang="en-US" dirty="0"/>
+              <a:rPr lang="en-US"/>
               <a:t>Proof of Euler’s Formula </a:t>
             </a:r>
           </a:p>
@@ -5829,32 +5870,32 @@
           <a:lstStyle/>
           <a:p>
             <a:r>
-              <a:rPr lang="en-US" dirty="0"/>
+              <a:rPr lang="en-US"/>
               <a:t>Plug  </a:t>
             </a:r>
             <a:r>
-              <a:rPr lang="en-US" sz="3600" i="1" dirty="0">
+              <a:rPr lang="en-US" sz="3600" i="1">
                 <a:latin typeface="Times New Roman" panose="02020603050405020304" pitchFamily="18" charset="0"/>
                 <a:cs typeface="Times New Roman" panose="02020603050405020304" pitchFamily="18" charset="0"/>
               </a:rPr>
               <a:t>x=</a:t>
             </a:r>
             <a:r>
-              <a:rPr lang="en-US" sz="3600" i="1" dirty="0" err="1">
+              <a:rPr lang="en-US" sz="3600" i="1" err="1">
                 <a:latin typeface="Times New Roman" panose="02020603050405020304" pitchFamily="18" charset="0"/>
                 <a:cs typeface="Times New Roman" panose="02020603050405020304" pitchFamily="18" charset="0"/>
               </a:rPr>
               <a:t>i</a:t>
             </a:r>
             <a:r>
-              <a:rPr lang="el-GR" sz="3600" i="1" dirty="0">
+              <a:rPr lang="el-GR" sz="3600" i="1">
                 <a:latin typeface="Times New Roman" panose="02020603050405020304" pitchFamily="18" charset="0"/>
                 <a:cs typeface="Times New Roman" panose="02020603050405020304" pitchFamily="18" charset="0"/>
               </a:rPr>
               <a:t>θ</a:t>
             </a:r>
             <a:r>
-              <a:rPr lang="en-US" dirty="0"/>
+              <a:rPr lang="en-US"/>
               <a:t>  in power series for exponential:</a:t>
             </a:r>
           </a:p>
@@ -5952,7 +5993,7 @@
           <a:lstStyle/>
           <a:p>
             <a:r>
-              <a:rPr lang="en-US" dirty="0"/>
+              <a:rPr lang="en-US"/>
               <a:t>Application</a:t>
             </a:r>
           </a:p>
@@ -5980,12 +6021,121 @@
           <a:lstStyle/>
           <a:p>
             <a:r>
-              <a:rPr lang="en-US" dirty="0"/>
-              <a:t>Trigonometric Identities  </a:t>
+              <a:rPr lang="en-US"/>
+              <a:t>Let’s prove the </a:t>
+            </a:r>
+            <a:r>
+              <a:rPr lang="en-US">
+                <a:hlinkClick r:id="rId4"/>
+              </a:rPr>
+              <a:t>trigonometric angle sum identities</a:t>
+            </a:r>
+            <a:endParaRPr lang="en-US"/>
+          </a:p>
+          <a:p>
+            <a:endParaRPr lang="en-US"/>
+          </a:p>
+          <a:p>
+            <a:pPr lvl="1"/>
+            <a:endParaRPr lang="en-US"/>
+          </a:p>
+          <a:p>
+            <a:pPr lvl="1"/>
+            <a:endParaRPr lang="en-US"/>
+          </a:p>
+          <a:p>
+            <a:pPr lvl="1"/>
+            <a:endParaRPr lang="en-US"/>
+          </a:p>
+          <a:p>
+            <a:pPr lvl="1"/>
+            <a:r>
+              <a:rPr lang="en-US"/>
+              <a:t>Hint: Use the property  	                             ,  expand with Euler’s formula, and equate terms</a:t>
             </a:r>
           </a:p>
         </p:txBody>
       </p:sp>
+      <p:pic>
+        <p:nvPicPr>
+          <p:cNvPr id="5" name="Picture 4">
+            <a:extLst>
+              <a:ext uri="{FF2B5EF4-FFF2-40B4-BE49-F238E27FC236}">
+                <a16:creationId xmlns:a16="http://schemas.microsoft.com/office/drawing/2014/main" id="{8A1E6F3D-A71B-7D58-1212-6236D92DD399}"/>
+              </a:ext>
+            </a:extLst>
+          </p:cNvPr>
+          <p:cNvPicPr>
+            <a:picLocks noChangeAspect="1"/>
+          </p:cNvPicPr>
+          <p:nvPr>
+            <p:custDataLst>
+              <p:tags r:id="rId1"/>
+            </p:custDataLst>
+          </p:nvPr>
+        </p:nvPicPr>
+        <p:blipFill>
+          <a:blip r:embed="rId5">
+            <a:extLst>
+              <a:ext uri="{28A0092B-C50C-407E-A947-70E740481C1C}">
+                <a14:useLocalDpi xmlns:a14="http://schemas.microsoft.com/office/drawing/2010/main" val="0"/>
+              </a:ext>
+            </a:extLst>
+          </a:blip>
+          <a:stretch>
+            <a:fillRect/>
+          </a:stretch>
+        </p:blipFill>
+        <p:spPr>
+          <a:xfrm>
+            <a:off x="1432819" y="2560989"/>
+            <a:ext cx="7116897" cy="1035910"/>
+          </a:xfrm>
+          <a:prstGeom prst="rect">
+            <a:avLst/>
+          </a:prstGeom>
+        </p:spPr>
+      </p:pic>
+      <p:pic>
+        <p:nvPicPr>
+          <p:cNvPr id="7" name="Picture 6">
+            <a:extLst>
+              <a:ext uri="{FF2B5EF4-FFF2-40B4-BE49-F238E27FC236}">
+                <a16:creationId xmlns:a16="http://schemas.microsoft.com/office/drawing/2014/main" id="{4411618C-D1A6-29E5-7644-4DFEB02AE36A}"/>
+              </a:ext>
+            </a:extLst>
+          </p:cNvPr>
+          <p:cNvPicPr>
+            <a:picLocks noChangeAspect="1"/>
+          </p:cNvPicPr>
+          <p:nvPr>
+            <p:custDataLst>
+              <p:tags r:id="rId2"/>
+            </p:custDataLst>
+          </p:nvPr>
+        </p:nvPicPr>
+        <p:blipFill>
+          <a:blip r:embed="rId6">
+            <a:extLst>
+              <a:ext uri="{28A0092B-C50C-407E-A947-70E740481C1C}">
+                <a14:useLocalDpi xmlns:a14="http://schemas.microsoft.com/office/drawing/2010/main" val="0"/>
+              </a:ext>
+            </a:extLst>
+          </a:blip>
+          <a:stretch>
+            <a:fillRect/>
+          </a:stretch>
+        </p:blipFill>
+        <p:spPr>
+          <a:xfrm>
+            <a:off x="4636901" y="3897821"/>
+            <a:ext cx="2668571" cy="395529"/>
+          </a:xfrm>
+          <a:prstGeom prst="rect">
+            <a:avLst/>
+          </a:prstGeom>
+        </p:spPr>
+      </p:pic>
     </p:spTree>
     <p:extLst>
       <p:ext uri="{BB962C8B-B14F-4D97-AF65-F5344CB8AC3E}">
@@ -6040,7 +6190,7 @@
           <a:lstStyle/>
           <a:p>
             <a:r>
-              <a:rPr lang="en-US" sz="8000" dirty="0"/>
+              <a:rPr lang="en-US" sz="8000"/>
               <a:t>Thank You!</a:t>
             </a:r>
           </a:p>
@@ -6067,20 +6217,20 @@
           <a:bodyPr/>
           <a:lstStyle/>
           <a:p>
-            <a:endParaRPr lang="en-US" dirty="0"/>
-          </a:p>
-          <a:p>
-            <a:r>
-              <a:rPr lang="en-US" sz="3600" dirty="0"/>
+            <a:endParaRPr lang="en-US"/>
+          </a:p>
+          <a:p>
+            <a:r>
+              <a:rPr lang="en-US" sz="3600"/>
               <a:t>How did we do?</a:t>
             </a:r>
           </a:p>
           <a:p>
-            <a:endParaRPr lang="en-US" sz="3600" dirty="0"/>
-          </a:p>
-          <a:p>
-            <a:r>
-              <a:rPr lang="en-US" sz="3600" dirty="0"/>
+            <a:endParaRPr lang="en-US" sz="3600"/>
+          </a:p>
+          <a:p>
+            <a:r>
+              <a:rPr lang="en-US" sz="3600"/>
               <a:t>Please fill in this  → feedback form </a:t>
             </a:r>
           </a:p>
@@ -6148,18 +6298,18 @@
           <a:lstStyle/>
           <a:p>
             <a:r>
-              <a:rPr lang="en-US" sz="3600" dirty="0">
+              <a:rPr lang="en-US" sz="3600">
                 <a:hlinkClick r:id="rId2"/>
               </a:rPr>
               <a:t>https://forms.gle/PZhTiUY2czKoM3sGA</a:t>
             </a:r>
             <a:r>
-              <a:rPr lang="en-US" sz="3600" dirty="0"/>
+              <a:rPr lang="en-US" sz="3600"/>
               <a:t> </a:t>
             </a:r>
           </a:p>
           <a:p>
-            <a:endParaRPr lang="en-US" sz="3600" dirty="0"/>
+            <a:endParaRPr lang="en-US" sz="3600"/>
           </a:p>
         </p:txBody>
       </p:sp>
@@ -6215,7 +6365,7 @@
           <a:lstStyle/>
           <a:p>
             <a:r>
-              <a:rPr lang="en-US" dirty="0"/>
+              <a:rPr lang="en-US"/>
               <a:t>Introductions</a:t>
             </a:r>
           </a:p>
@@ -6245,65 +6395,65 @@
           <a:lstStyle/>
           <a:p>
             <a:r>
-              <a:rPr lang="en-US" dirty="0"/>
+              <a:rPr lang="en-US"/>
               <a:t>Instructor: Prof. Sotirios (Sotos) Damouras </a:t>
             </a:r>
           </a:p>
           <a:p>
             <a:pPr lvl="1"/>
             <a:r>
-              <a:rPr lang="en-US" dirty="0"/>
+              <a:rPr lang="en-US"/>
               <a:t>Teaching Probability, Statistics, and Quantitative Finance </a:t>
             </a:r>
           </a:p>
           <a:p>
             <a:pPr lvl="1"/>
             <a:r>
-              <a:rPr lang="en-US" dirty="0"/>
+              <a:rPr lang="en-US"/>
               <a:t>Substituting for </a:t>
             </a:r>
             <a:r>
-              <a:rPr lang="en-US" dirty="0">
+              <a:rPr lang="en-US">
                 <a:hlinkClick r:id="rId2"/>
               </a:rPr>
               <a:t>Prof. Parker Glynn-Adey</a:t>
             </a:r>
-            <a:endParaRPr lang="en-US" dirty="0"/>
-          </a:p>
-          <a:p>
-            <a:endParaRPr lang="en-US" dirty="0"/>
-          </a:p>
-          <a:p>
-            <a:r>
-              <a:rPr lang="en-US" dirty="0"/>
+            <a:endParaRPr lang="en-US"/>
+          </a:p>
+          <a:p>
+            <a:endParaRPr lang="en-US"/>
+          </a:p>
+          <a:p>
+            <a:r>
+              <a:rPr lang="en-US"/>
               <a:t>Teaching Assistants</a:t>
             </a:r>
           </a:p>
           <a:p>
             <a:pPr lvl="1"/>
             <a:r>
-              <a:rPr lang="en-US" dirty="0"/>
+              <a:rPr lang="en-US"/>
               <a:t>Simon Liu </a:t>
             </a:r>
           </a:p>
           <a:p>
             <a:pPr lvl="1"/>
             <a:r>
-              <a:rPr lang="en-US" dirty="0"/>
+              <a:rPr lang="en-US"/>
               <a:t>Yuyang Wang</a:t>
             </a:r>
           </a:p>
           <a:p>
             <a:pPr lvl="1"/>
             <a:r>
-              <a:rPr lang="en-US" dirty="0"/>
+              <a:rPr lang="en-US"/>
               <a:t>Alex Dennis</a:t>
             </a:r>
           </a:p>
           <a:p>
             <a:pPr lvl="1"/>
             <a:r>
-              <a:rPr lang="en-US" dirty="0"/>
+              <a:rPr lang="en-US"/>
               <a:t>Li Zhang</a:t>
             </a:r>
           </a:p>
@@ -6613,7 +6763,7 @@
           <a:lstStyle/>
           <a:p>
             <a:r>
-              <a:rPr lang="en-US" dirty="0"/>
+              <a:rPr lang="en-US"/>
               <a:t>Materials</a:t>
             </a:r>
           </a:p>
@@ -6643,11 +6793,11 @@
             <a:pPr marL="0" indent="0">
               <a:buNone/>
             </a:pPr>
-            <a:endParaRPr lang="en-US" dirty="0"/>
-          </a:p>
-          <a:p>
-            <a:r>
-              <a:rPr lang="en-US" dirty="0"/>
+            <a:endParaRPr lang="en-US"/>
+          </a:p>
+          <a:p>
+            <a:r>
+              <a:rPr lang="en-US"/>
               <a:t>Presentation available at my webpage:</a:t>
             </a:r>
           </a:p>
@@ -6656,19 +6806,19 @@
               <a:buNone/>
             </a:pPr>
             <a:r>
-              <a:rPr lang="en-US" dirty="0">
+              <a:rPr lang="en-US">
                 <a:hlinkClick r:id="rId2"/>
               </a:rPr>
               <a:t>https://damouras.github.io/teaching/</a:t>
             </a:r>
-            <a:endParaRPr lang="en-US" dirty="0"/>
-          </a:p>
-          <a:p>
-            <a:endParaRPr lang="en-US" dirty="0"/>
-          </a:p>
-          <a:p>
-            <a:r>
-              <a:rPr lang="en-US" dirty="0"/>
+            <a:endParaRPr lang="en-US"/>
+          </a:p>
+          <a:p>
+            <a:endParaRPr lang="en-US"/>
+          </a:p>
+          <a:p>
+            <a:r>
+              <a:rPr lang="en-US"/>
               <a:t>Extensive course material available at Parker’s webpage</a:t>
             </a:r>
           </a:p>
@@ -6677,52 +6827,52 @@
               <a:buNone/>
             </a:pPr>
             <a:r>
-              <a:rPr lang="en-US" dirty="0">
+              <a:rPr lang="en-US">
                 <a:hlinkClick r:id="rId3"/>
               </a:rPr>
               <a:t>https://pgadey.ca/notes/eulers-identity/</a:t>
             </a:r>
             <a:r>
-              <a:rPr lang="en-US" dirty="0"/>
+              <a:rPr lang="en-US"/>
               <a:t> </a:t>
             </a:r>
           </a:p>
           <a:p>
             <a:pPr lvl="1"/>
             <a:r>
-              <a:rPr lang="en-US" dirty="0"/>
+              <a:rPr lang="en-US"/>
               <a:t>Including</a:t>
             </a:r>
           </a:p>
           <a:p>
             <a:pPr lvl="2"/>
             <a:r>
-              <a:rPr lang="en-US" dirty="0">
+              <a:rPr lang="en-US">
                 <a:hlinkClick r:id="rId4"/>
               </a:rPr>
               <a:t>Lecture Notes</a:t>
             </a:r>
-            <a:endParaRPr lang="en-US" dirty="0"/>
+            <a:endParaRPr lang="en-US"/>
           </a:p>
           <a:p>
             <a:pPr lvl="2"/>
             <a:r>
-              <a:rPr lang="en-US" dirty="0">
+              <a:rPr lang="en-US">
                 <a:hlinkClick r:id="rId5"/>
               </a:rPr>
               <a:t>Worksheet</a:t>
             </a:r>
             <a:r>
-              <a:rPr lang="en-US" dirty="0"/>
+              <a:rPr lang="en-US"/>
               <a:t> w/ </a:t>
             </a:r>
             <a:r>
-              <a:rPr lang="en-US" dirty="0">
+              <a:rPr lang="en-US">
                 <a:hlinkClick r:id="rId6"/>
               </a:rPr>
               <a:t>Solutions</a:t>
             </a:r>
-            <a:endParaRPr lang="en-US" dirty="0"/>
+            <a:endParaRPr lang="en-US"/>
           </a:p>
         </p:txBody>
       </p:sp>
@@ -7029,7 +7179,7 @@
           <a:lstStyle/>
           <a:p>
             <a:r>
-              <a:rPr lang="en-US" dirty="0"/>
+              <a:rPr lang="en-US"/>
               <a:t>Agenda</a:t>
             </a:r>
           </a:p>
@@ -7057,76 +7207,76 @@
           <a:lstStyle/>
           <a:p>
             <a:r>
-              <a:rPr lang="en-US" dirty="0"/>
+              <a:rPr lang="en-US"/>
               <a:t>“Prove” </a:t>
             </a:r>
             <a:r>
-              <a:rPr lang="en-US" b="1" dirty="0">
+              <a:rPr lang="en-US" b="1">
                 <a:hlinkClick r:id="rId3"/>
               </a:rPr>
               <a:t>Euler’s Formula</a:t>
             </a:r>
             <a:r>
-              <a:rPr lang="en-US" dirty="0"/>
+              <a:rPr lang="en-US"/>
               <a:t>:</a:t>
             </a:r>
-            <a:endParaRPr lang="en-US" i="1" dirty="0"/>
+            <a:endParaRPr lang="en-US" i="1"/>
           </a:p>
           <a:p>
             <a:pPr lvl="4"/>
-            <a:endParaRPr lang="en-US" dirty="0"/>
+            <a:endParaRPr lang="en-US"/>
           </a:p>
           <a:p>
             <a:pPr lvl="4"/>
-            <a:endParaRPr lang="en-US" dirty="0"/>
+            <a:endParaRPr lang="en-US"/>
           </a:p>
           <a:p>
             <a:pPr lvl="4"/>
-            <a:endParaRPr lang="en-US" dirty="0"/>
+            <a:endParaRPr lang="en-US"/>
           </a:p>
           <a:p>
             <a:pPr lvl="4"/>
-            <a:endParaRPr lang="en-US" dirty="0"/>
+            <a:endParaRPr lang="en-US"/>
           </a:p>
           <a:p>
             <a:pPr lvl="1"/>
             <a:r>
-              <a:rPr lang="en-US" dirty="0"/>
+              <a:rPr lang="en-US"/>
               <a:t>Called </a:t>
             </a:r>
             <a:r>
-              <a:rPr lang="en-US" i="1" dirty="0"/>
+              <a:rPr lang="en-US" i="1"/>
               <a:t>the most beautiful equation in Mathematics</a:t>
             </a:r>
           </a:p>
           <a:p>
             <a:pPr lvl="4"/>
-            <a:endParaRPr lang="en-US" dirty="0"/>
-          </a:p>
-          <a:p>
-            <a:r>
-              <a:rPr lang="en-US" dirty="0"/>
+            <a:endParaRPr lang="en-US"/>
+          </a:p>
+          <a:p>
+            <a:r>
+              <a:rPr lang="en-US"/>
               <a:t>Combines fundamental mathematical objects</a:t>
             </a:r>
           </a:p>
           <a:p>
             <a:pPr lvl="1"/>
             <a:r>
-              <a:rPr lang="en-US" dirty="0"/>
+              <a:rPr lang="en-US"/>
               <a:t>Exponential function</a:t>
             </a:r>
           </a:p>
           <a:p>
             <a:pPr lvl="1"/>
             <a:r>
-              <a:rPr lang="en-US" dirty="0"/>
+              <a:rPr lang="en-US"/>
               <a:t>Trigonometric functions</a:t>
             </a:r>
           </a:p>
           <a:p>
             <a:pPr lvl="1"/>
             <a:r>
-              <a:rPr lang="en-US" dirty="0"/>
+              <a:rPr lang="en-US"/>
               <a:t>Complex numbers</a:t>
             </a:r>
           </a:p>
@@ -7445,7 +7595,7 @@
           <a:lstStyle/>
           <a:p>
             <a:r>
-              <a:rPr lang="en-US" dirty="0"/>
+              <a:rPr lang="en-US"/>
               <a:t>Euler’s Identity </a:t>
             </a:r>
           </a:p>
@@ -7475,77 +7625,77 @@
           <a:lstStyle/>
           <a:p>
             <a:r>
-              <a:rPr lang="en-US" sz="3500" b="1" dirty="0"/>
+              <a:rPr lang="en-US" sz="3500" b="1"/>
               <a:t>Euler’s Identity</a:t>
             </a:r>
             <a:r>
-              <a:rPr lang="en-US" dirty="0"/>
+              <a:rPr lang="en-US"/>
               <a:t>:</a:t>
             </a:r>
           </a:p>
           <a:p>
             <a:pPr lvl="4"/>
-            <a:endParaRPr lang="en-US" dirty="0"/>
-          </a:p>
-          <a:p>
-            <a:r>
-              <a:rPr lang="en-US" dirty="0"/>
+            <a:endParaRPr lang="en-US"/>
+          </a:p>
+          <a:p>
+            <a:r>
+              <a:rPr lang="en-US"/>
               <a:t>Special case of Euler’s formula: </a:t>
             </a:r>
           </a:p>
           <a:p>
             <a:pPr lvl="5"/>
-            <a:endParaRPr lang="en-US" dirty="0"/>
+            <a:endParaRPr lang="en-US"/>
           </a:p>
           <a:p>
             <a:pPr lvl="1"/>
             <a:r>
-              <a:rPr lang="en-US" dirty="0"/>
+              <a:rPr lang="en-US"/>
               <a:t>Which value of </a:t>
             </a:r>
             <a:r>
-              <a:rPr lang="el-GR" b="1" i="1" dirty="0">
+              <a:rPr lang="el-GR" b="1" i="1">
                 <a:latin typeface="Times New Roman" panose="02020603050405020304" pitchFamily="18" charset="0"/>
                 <a:cs typeface="Times New Roman" panose="02020603050405020304" pitchFamily="18" charset="0"/>
               </a:rPr>
               <a:t>θ</a:t>
             </a:r>
             <a:r>
-              <a:rPr lang="en-US" i="1" dirty="0"/>
+              <a:rPr lang="en-US" i="1"/>
               <a:t> </a:t>
             </a:r>
             <a:r>
-              <a:rPr lang="en-US" dirty="0"/>
+              <a:rPr lang="en-US"/>
               <a:t>produces it?</a:t>
             </a:r>
           </a:p>
           <a:p>
             <a:pPr lvl="6"/>
-            <a:endParaRPr lang="en-US" dirty="0"/>
-          </a:p>
-          <a:p>
-            <a:r>
-              <a:rPr lang="en-US" dirty="0"/>
+            <a:endParaRPr lang="en-US"/>
+          </a:p>
+          <a:p>
+            <a:r>
+              <a:rPr lang="en-US"/>
               <a:t>Involves all important mathematical numbers</a:t>
             </a:r>
           </a:p>
           <a:p>
             <a:pPr lvl="1"/>
             <a:r>
-              <a:rPr lang="en-US" b="1" dirty="0">
+              <a:rPr lang="en-US" b="1">
                 <a:latin typeface="Times New Roman" panose="02020603050405020304" pitchFamily="18" charset="0"/>
                 <a:cs typeface="Times New Roman" panose="02020603050405020304" pitchFamily="18" charset="0"/>
               </a:rPr>
               <a:t>0</a:t>
             </a:r>
             <a:r>
-              <a:rPr lang="el-GR" b="1" dirty="0">
+              <a:rPr lang="el-GR" b="1">
                 <a:latin typeface="Times New Roman" panose="02020603050405020304" pitchFamily="18" charset="0"/>
                 <a:cs typeface="Times New Roman" panose="02020603050405020304" pitchFamily="18" charset="0"/>
               </a:rPr>
               <a:t> </a:t>
             </a:r>
-            <a:endParaRPr lang="en-US" b="1" dirty="0">
+            <a:endParaRPr lang="en-US" b="1">
               <a:latin typeface="Times New Roman" panose="02020603050405020304" pitchFamily="18" charset="0"/>
               <a:cs typeface="Times New Roman" panose="02020603050405020304" pitchFamily="18" charset="0"/>
             </a:endParaRPr>
@@ -7553,20 +7703,20 @@
           <a:p>
             <a:pPr lvl="1"/>
             <a:r>
-              <a:rPr lang="en-US" b="1" dirty="0">
+              <a:rPr lang="en-US" b="1">
                 <a:latin typeface="Times New Roman" panose="02020603050405020304" pitchFamily="18" charset="0"/>
                 <a:cs typeface="Times New Roman" panose="02020603050405020304" pitchFamily="18" charset="0"/>
               </a:rPr>
               <a:t>1</a:t>
             </a:r>
             <a:r>
-              <a:rPr lang="el-GR" b="1" dirty="0">
+              <a:rPr lang="el-GR" b="1">
                 <a:latin typeface="Times New Roman" panose="02020603050405020304" pitchFamily="18" charset="0"/>
                 <a:cs typeface="Times New Roman" panose="02020603050405020304" pitchFamily="18" charset="0"/>
               </a:rPr>
               <a:t> </a:t>
             </a:r>
-            <a:endParaRPr lang="en-US" b="1" dirty="0">
+            <a:endParaRPr lang="en-US" b="1">
               <a:latin typeface="Times New Roman" panose="02020603050405020304" pitchFamily="18" charset="0"/>
               <a:cs typeface="Times New Roman" panose="02020603050405020304" pitchFamily="18" charset="0"/>
             </a:endParaRPr>
@@ -7574,20 +7724,20 @@
           <a:p>
             <a:pPr lvl="1"/>
             <a:r>
-              <a:rPr lang="el-GR" b="1" i="1" dirty="0">
+              <a:rPr lang="el-GR" b="1" i="1">
                 <a:latin typeface="Times New Roman" panose="02020603050405020304" pitchFamily="18" charset="0"/>
                 <a:cs typeface="Times New Roman" panose="02020603050405020304" pitchFamily="18" charset="0"/>
               </a:rPr>
               <a:t>π</a:t>
             </a:r>
             <a:r>
-              <a:rPr lang="el-GR" b="1" dirty="0">
+              <a:rPr lang="el-GR" b="1">
                 <a:latin typeface="Times New Roman" panose="02020603050405020304" pitchFamily="18" charset="0"/>
                 <a:cs typeface="Times New Roman" panose="02020603050405020304" pitchFamily="18" charset="0"/>
               </a:rPr>
               <a:t> </a:t>
             </a:r>
-            <a:endParaRPr lang="en-US" b="1" dirty="0">
+            <a:endParaRPr lang="en-US" b="1">
               <a:latin typeface="Times New Roman" panose="02020603050405020304" pitchFamily="18" charset="0"/>
               <a:cs typeface="Times New Roman" panose="02020603050405020304" pitchFamily="18" charset="0"/>
             </a:endParaRPr>
@@ -7595,20 +7745,20 @@
           <a:p>
             <a:pPr lvl="1"/>
             <a:r>
-              <a:rPr lang="en-US" b="1" i="1" dirty="0" err="1">
+              <a:rPr lang="en-US" b="1" i="1" err="1">
                 <a:latin typeface="Times New Roman" panose="02020603050405020304" pitchFamily="18" charset="0"/>
                 <a:cs typeface="Times New Roman" panose="02020603050405020304" pitchFamily="18" charset="0"/>
               </a:rPr>
               <a:t>i</a:t>
             </a:r>
             <a:r>
-              <a:rPr lang="el-GR" b="1" i="1" dirty="0">
+              <a:rPr lang="el-GR" b="1" i="1">
                 <a:latin typeface="Times New Roman" panose="02020603050405020304" pitchFamily="18" charset="0"/>
                 <a:cs typeface="Times New Roman" panose="02020603050405020304" pitchFamily="18" charset="0"/>
               </a:rPr>
               <a:t> </a:t>
             </a:r>
-            <a:endParaRPr lang="en-US" b="1" i="1" dirty="0">
+            <a:endParaRPr lang="en-US" b="1" i="1">
               <a:latin typeface="Times New Roman" panose="02020603050405020304" pitchFamily="18" charset="0"/>
               <a:cs typeface="Times New Roman" panose="02020603050405020304" pitchFamily="18" charset="0"/>
             </a:endParaRPr>
@@ -7616,17 +7766,17 @@
           <a:p>
             <a:pPr lvl="1"/>
             <a:r>
-              <a:rPr lang="en-US" b="1" i="1" dirty="0">
+              <a:rPr lang="en-US" b="1" i="1">
                 <a:latin typeface="Times New Roman" panose="02020603050405020304" pitchFamily="18" charset="0"/>
                 <a:cs typeface="Times New Roman" panose="02020603050405020304" pitchFamily="18" charset="0"/>
               </a:rPr>
               <a:t>e</a:t>
             </a:r>
             <a:r>
-              <a:rPr lang="el-GR" dirty="0"/>
+              <a:rPr lang="el-GR"/>
               <a:t> </a:t>
             </a:r>
-            <a:endParaRPr lang="en-US" dirty="0"/>
+            <a:endParaRPr lang="en-US"/>
           </a:p>
         </p:txBody>
       </p:sp>
@@ -8193,7 +8343,7 @@
           <a:lstStyle/>
           <a:p>
             <a:r>
-              <a:rPr lang="en-US" dirty="0"/>
+              <a:rPr lang="en-US"/>
               <a:t>Calculating Complex Numbers</a:t>
             </a:r>
           </a:p>
@@ -8221,34 +8371,34 @@
           <a:lstStyle/>
           <a:p>
             <a:r>
-              <a:rPr lang="en-US" dirty="0"/>
+              <a:rPr lang="en-US"/>
               <a:t>Calculate the following expressions:</a:t>
             </a:r>
           </a:p>
           <a:p>
-            <a:endParaRPr lang="en-US" dirty="0"/>
-          </a:p>
-          <a:p>
-            <a:r>
-              <a:rPr lang="en-US" dirty="0"/>
+            <a:endParaRPr lang="en-US"/>
+          </a:p>
+          <a:p>
+            <a:r>
+              <a:rPr lang="en-US"/>
               <a:t> </a:t>
             </a:r>
           </a:p>
           <a:p>
-            <a:endParaRPr lang="en-US" dirty="0"/>
-          </a:p>
-          <a:p>
-            <a:r>
-              <a:rPr lang="en-US" dirty="0"/>
+            <a:endParaRPr lang="en-US"/>
+          </a:p>
+          <a:p>
+            <a:r>
+              <a:rPr lang="en-US"/>
               <a:t> </a:t>
             </a:r>
           </a:p>
           <a:p>
-            <a:endParaRPr lang="en-US" dirty="0"/>
-          </a:p>
-          <a:p>
-            <a:r>
-              <a:rPr lang="en-US" dirty="0"/>
+            <a:endParaRPr lang="en-US"/>
+          </a:p>
+          <a:p>
+            <a:r>
+              <a:rPr lang="en-US"/>
               <a:t>  </a:t>
             </a:r>
           </a:p>
@@ -8608,7 +8758,7 @@
           <a:lstStyle/>
           <a:p>
             <a:r>
-              <a:rPr lang="en-US" dirty="0"/>
+              <a:rPr lang="en-US"/>
               <a:t>Drawing Complex Numbers</a:t>
             </a:r>
           </a:p>
@@ -8641,63 +8791,63 @@
           <a:lstStyle/>
           <a:p>
             <a:r>
-              <a:rPr lang="en-US" dirty="0"/>
+              <a:rPr lang="en-US"/>
               <a:t>Plot the complex numbers </a:t>
             </a:r>
             <a:br>
-              <a:rPr lang="en-US" dirty="0"/>
+              <a:rPr lang="en-US"/>
             </a:br>
             <a:r>
-              <a:rPr lang="en-US" dirty="0"/>
+              <a:rPr lang="en-US"/>
               <a:t>on the </a:t>
             </a:r>
             <a:r>
-              <a:rPr lang="en-US" i="1" dirty="0"/>
+              <a:rPr lang="en-US" i="1"/>
               <a:t>complex plane</a:t>
             </a:r>
             <a:r>
-              <a:rPr lang="en-US" dirty="0"/>
+              <a:rPr lang="en-US"/>
               <a:t> using </a:t>
             </a:r>
             <a:r>
-              <a:rPr lang="en-US" dirty="0">
+              <a:rPr lang="en-US">
                 <a:hlinkClick r:id="rId3"/>
               </a:rPr>
               <a:t>www.desmos.com/calculator</a:t>
             </a:r>
-            <a:endParaRPr lang="en-US" dirty="0"/>
+            <a:endParaRPr lang="en-US"/>
           </a:p>
           <a:p>
             <a:pPr marL="0" indent="0">
               <a:buNone/>
             </a:pPr>
-            <a:endParaRPr lang="en-US" dirty="0"/>
-          </a:p>
-          <a:p>
-            <a:r>
-              <a:rPr lang="en-US" dirty="0"/>
+            <a:endParaRPr lang="en-US"/>
+          </a:p>
+          <a:p>
+            <a:r>
+              <a:rPr lang="en-US"/>
               <a:t>What do you observe?</a:t>
             </a:r>
           </a:p>
           <a:p>
             <a:pPr lvl="2"/>
-            <a:endParaRPr lang="en-US" dirty="0"/>
-          </a:p>
-          <a:p>
-            <a:r>
-              <a:rPr lang="en-US" dirty="0"/>
+            <a:endParaRPr lang="en-US"/>
+          </a:p>
+          <a:p>
+            <a:r>
+              <a:rPr lang="en-US"/>
               <a:t>Numbers are part of </a:t>
             </a:r>
             <a:br>
-              <a:rPr lang="en-US" dirty="0"/>
+              <a:rPr lang="en-US"/>
             </a:br>
             <a:r>
-              <a:rPr lang="en-US" dirty="0">
+              <a:rPr lang="en-US">
                 <a:hlinkClick r:id="rId4"/>
               </a:rPr>
               <a:t>Logarithmic Spiral</a:t>
             </a:r>
-            <a:endParaRPr lang="en-US" dirty="0"/>
+            <a:endParaRPr lang="en-US"/>
           </a:p>
         </p:txBody>
       </p:sp>
@@ -8800,7 +8950,7 @@
           <a:lstStyle/>
           <a:p>
             <a:r>
-              <a:rPr lang="en-US" dirty="0"/>
+              <a:rPr lang="en-US"/>
               <a:t>Desmos</a:t>
             </a:r>
           </a:p>
@@ -8937,7 +9087,7 @@
           <a:lstStyle/>
           <a:p>
             <a:r>
-              <a:rPr lang="en-US" dirty="0"/>
+              <a:rPr lang="en-US"/>
               <a:t>Exponentials</a:t>
             </a:r>
           </a:p>
@@ -8967,56 +9117,56 @@
           <a:lstStyle/>
           <a:p>
             <a:r>
-              <a:rPr lang="en-US" dirty="0"/>
+              <a:rPr lang="en-US"/>
               <a:t>Fill in the following exponential function properties:</a:t>
             </a:r>
           </a:p>
           <a:p>
             <a:pPr lvl="4"/>
-            <a:endParaRPr lang="en-US" dirty="0"/>
+            <a:endParaRPr lang="en-US"/>
           </a:p>
           <a:p>
             <a:pPr lvl="1"/>
             <a:r>
-              <a:rPr lang="en-US" dirty="0"/>
+              <a:rPr lang="en-US"/>
               <a:t> </a:t>
             </a:r>
           </a:p>
           <a:p>
             <a:pPr lvl="2"/>
-            <a:endParaRPr lang="en-US" dirty="0"/>
+            <a:endParaRPr lang="en-US"/>
           </a:p>
           <a:p>
             <a:pPr lvl="1"/>
             <a:r>
-              <a:rPr lang="en-US" dirty="0"/>
+              <a:rPr lang="en-US"/>
               <a:t> 		</a:t>
             </a:r>
           </a:p>
           <a:p>
             <a:pPr lvl="2"/>
-            <a:endParaRPr lang="en-US" b="1" dirty="0"/>
-          </a:p>
-          <a:p>
-            <a:r>
-              <a:rPr lang="en-US" b="1" dirty="0">
+            <a:endParaRPr lang="en-US" b="1"/>
+          </a:p>
+          <a:p>
+            <a:r>
+              <a:rPr lang="en-US" b="1">
                 <a:hlinkClick r:id="rId5"/>
               </a:rPr>
               <a:t>De Moivre’s formula</a:t>
             </a:r>
             <a:r>
-              <a:rPr lang="en-US" dirty="0"/>
+              <a:rPr lang="en-US"/>
               <a:t>: </a:t>
             </a:r>
           </a:p>
           <a:p>
             <a:pPr lvl="6"/>
-            <a:endParaRPr lang="en-US" dirty="0"/>
+            <a:endParaRPr lang="en-US"/>
           </a:p>
           <a:p>
             <a:pPr lvl="1"/>
             <a:r>
-              <a:rPr lang="en-US" dirty="0"/>
+              <a:rPr lang="en-US"/>
               <a:t>Proof using Euler’s formula</a:t>
             </a:r>
           </a:p>
@@ -9349,7 +9499,7 @@
           <a:lstStyle/>
           <a:p>
             <a:r>
-              <a:rPr lang="en-US" dirty="0"/>
+              <a:rPr lang="en-US"/>
               <a:t>Application</a:t>
             </a:r>
           </a:p>
@@ -9377,22 +9527,22 @@
           <a:lstStyle/>
           <a:p>
             <a:r>
-              <a:rPr lang="en-US" dirty="0"/>
+              <a:rPr lang="en-US"/>
               <a:t>Express                in the form </a:t>
             </a:r>
           </a:p>
           <a:p>
-            <a:endParaRPr lang="en-US" dirty="0"/>
-          </a:p>
-          <a:p>
-            <a:endParaRPr lang="en-US" dirty="0"/>
-          </a:p>
-          <a:p>
-            <a:endParaRPr lang="en-US" dirty="0"/>
-          </a:p>
-          <a:p>
-            <a:r>
-              <a:rPr lang="en-US" dirty="0"/>
+            <a:endParaRPr lang="en-US"/>
+          </a:p>
+          <a:p>
+            <a:endParaRPr lang="en-US"/>
+          </a:p>
+          <a:p>
+            <a:endParaRPr lang="en-US"/>
+          </a:p>
+          <a:p>
+            <a:r>
+              <a:rPr lang="en-US"/>
               <a:t>Apply De Moivre’s formula on </a:t>
             </a:r>
           </a:p>
@@ -9891,6 +10041,46 @@
   <p:tag name="LATEXENGINEID" val="0"/>
   <p:tag name="TEMPFOLDER" val="c:\temp\"/>
   <p:tag name="LATEXFORMHEIGHT" val="303"/>
+  <p:tag name="LATEXFORMWIDTH" val="385"/>
+  <p:tag name="LATEXFORMWRAP" val="True"/>
+  <p:tag name="BITMAPVECTOR" val="0"/>
+</p:tagLst>
+</file>
+
+<file path=ppt/tags/tag21.xml><?xml version="1.0" encoding="utf-8"?>
+<p:tagLst xmlns:a="http://schemas.openxmlformats.org/drawingml/2006/main" xmlns:r="http://schemas.openxmlformats.org/officeDocument/2006/relationships" xmlns:p="http://schemas.openxmlformats.org/presentationml/2006/main">
+  <p:tag name="OUTPUTDPI" val="1200"/>
+  <p:tag name="ORIGINALHEIGHT" val="311.961"/>
+  <p:tag name="ORIGINALWIDTH" val="2143.232"/>
+  <p:tag name="OUTPUTTYPE" val="PNG"/>
+  <p:tag name="IGUANATEXVERSION" val="161"/>
+  <p:tag name="LATEXADDIN" val="\documentclass{article}&#10;\usepackage{amsmath, amsfonts, bm}&#10;\pagestyle{empty}&#10;\begin{document}&#10;&#10;\begin{align*}&#10;\sin(a+b) = \sin(a)\cos(b) + \cos(a)\sin(b)\\&#10;\cos(a+b) = \cos(a)\cos(b) - \sin(a)\sin(b)&#10;\end{align*}&#10;&#10;\end{document}"/>
+  <p:tag name="IGUANATEXSIZE" val="28"/>
+  <p:tag name="IGUANATEXCURSOR" val="120"/>
+  <p:tag name="TRANSPARENCY" val="True"/>
+  <p:tag name="LATEXENGINEID" val="0"/>
+  <p:tag name="TEMPFOLDER" val="c:\temp\"/>
+  <p:tag name="LATEXFORMHEIGHT" val="320"/>
+  <p:tag name="LATEXFORMWIDTH" val="385"/>
+  <p:tag name="LATEXFORMWRAP" val="True"/>
+  <p:tag name="BITMAPVECTOR" val="0"/>
+</p:tagLst>
+</file>
+
+<file path=ppt/tags/tag22.xml><?xml version="1.0" encoding="utf-8"?>
+<p:tagLst xmlns:a="http://schemas.openxmlformats.org/drawingml/2006/main" xmlns:r="http://schemas.openxmlformats.org/officeDocument/2006/relationships" xmlns:p="http://schemas.openxmlformats.org/presentationml/2006/main">
+  <p:tag name="OUTPUTDPI" val="1200"/>
+  <p:tag name="ORIGINALHEIGHT" val="118.4852"/>
+  <p:tag name="ORIGINALWIDTH" val="799.4001"/>
+  <p:tag name="OUTPUTTYPE" val="PNG"/>
+  <p:tag name="IGUANATEXVERSION" val="161"/>
+  <p:tag name="LATEXADDIN" val="\documentclass{article}&#10;\usepackage{amsmath, amsfonts, bm}&#10;\pagestyle{empty}&#10;\begin{document}&#10;&#10;\begin{align*}&#10;e^{i(a+b)} =  e^{ia}e^{ib}&#10;\end{align*}&#10;&#10;\end{document}"/>
+  <p:tag name="IGUANATEXSIZE" val="24"/>
+  <p:tag name="IGUANATEXCURSOR" val="136"/>
+  <p:tag name="TRANSPARENCY" val="True"/>
+  <p:tag name="LATEXENGINEID" val="0"/>
+  <p:tag name="TEMPFOLDER" val="c:\temp\"/>
+  <p:tag name="LATEXFORMHEIGHT" val="320"/>
   <p:tag name="LATEXFORMWIDTH" val="385"/>
   <p:tag name="LATEXFORMWRAP" val="True"/>
   <p:tag name="BITMAPVECTOR" val="0"/>
